--- a/spring/docs/01-http-basic.pptx
+++ b/spring/docs/01-http-basic.pptx
@@ -6,12 +6,23 @@
     <p:sldMasterId id="2147483660" r:id="rId2"/>
   </p:sldMasterIdLst>
   <p:notesMasterIdLst>
-    <p:notesMasterId r:id="rId6"/>
+    <p:notesMasterId r:id="rId17"/>
   </p:notesMasterIdLst>
   <p:sldIdLst>
     <p:sldId id="256" r:id="rId3"/>
-    <p:sldId id="262" r:id="rId4"/>
-    <p:sldId id="261" r:id="rId5"/>
+    <p:sldId id="263" r:id="rId4"/>
+    <p:sldId id="264" r:id="rId5"/>
+    <p:sldId id="265" r:id="rId6"/>
+    <p:sldId id="266" r:id="rId7"/>
+    <p:sldId id="267" r:id="rId8"/>
+    <p:sldId id="268" r:id="rId9"/>
+    <p:sldId id="269" r:id="rId10"/>
+    <p:sldId id="270" r:id="rId11"/>
+    <p:sldId id="271" r:id="rId12"/>
+    <p:sldId id="272" r:id="rId13"/>
+    <p:sldId id="273" r:id="rId14"/>
+    <p:sldId id="274" r:id="rId15"/>
+    <p:sldId id="261" r:id="rId16"/>
   </p:sldIdLst>
   <p:sldSz cx="9144000" cy="6858000" type="screen4x3"/>
   <p:notesSz cx="6858000" cy="9144000"/>
@@ -195,7 +206,7 @@
           <a:p>
             <a:fld id="{D6CB015B-B7FF-4093-8E19-9AD7339689D2}" type="datetimeFigureOut">
               <a:rPr lang="zh-CN" altLang="en-US" smtClean="0"/>
-              <a:t>2017/12/7</a:t>
+              <a:t>2017/12/19</a:t>
             </a:fld>
             <a:endParaRPr lang="zh-CN" altLang="en-US"/>
           </a:p>
@@ -484,6 +495,286 @@
       </p:grpSpPr>
       <p:sp>
         <p:nvSpPr>
+          <p:cNvPr id="41986" name="幻灯片图像占位符 1"/>
+          <p:cNvSpPr>
+            <a:spLocks noGrp="1" noRot="1" noChangeAspect="1" noTextEdit="1"/>
+          </p:cNvSpPr>
+          <p:nvPr>
+            <p:ph type="sldImg"/>
+          </p:nvPr>
+        </p:nvSpPr>
+        <p:spPr bwMode="auto">
+          <a:noFill/>
+          <a:ln>
+            <a:solidFill>
+              <a:srgbClr val="000000"/>
+            </a:solidFill>
+            <a:miter lim="800000"/>
+            <a:headEnd/>
+            <a:tailEnd/>
+          </a:ln>
+          <a:extLst>
+            <a:ext uri="{909E8E84-426E-40DD-AFC4-6F175D3DCCD1}">
+              <a14:hiddenFill xmlns:a14="http://schemas.microsoft.com/office/drawing/2010/main">
+                <a:solidFill>
+                  <a:srgbClr val="FFFFFF"/>
+                </a:solidFill>
+              </a14:hiddenFill>
+            </a:ext>
+          </a:extLst>
+        </p:spPr>
+      </p:sp>
+      <p:sp>
+        <p:nvSpPr>
+          <p:cNvPr id="41987" name="备注占位符 2"/>
+          <p:cNvSpPr>
+            <a:spLocks noGrp="1"/>
+          </p:cNvSpPr>
+          <p:nvPr>
+            <p:ph type="body" idx="1"/>
+          </p:nvPr>
+        </p:nvSpPr>
+        <p:spPr bwMode="auto">
+          <a:noFill/>
+          <a:extLst>
+            <a:ext uri="{909E8E84-426E-40DD-AFC4-6F175D3DCCD1}">
+              <a14:hiddenFill xmlns:a14="http://schemas.microsoft.com/office/drawing/2010/main">
+                <a:solidFill>
+                  <a:srgbClr val="FFFFFF"/>
+                </a:solidFill>
+              </a14:hiddenFill>
+            </a:ext>
+            <a:ext uri="{91240B29-F687-4F45-9708-019B960494DF}">
+              <a14:hiddenLine xmlns:a14="http://schemas.microsoft.com/office/drawing/2010/main" w="9525">
+                <a:solidFill>
+                  <a:srgbClr val="000000"/>
+                </a:solidFill>
+                <a:miter lim="800000"/>
+                <a:headEnd/>
+                <a:tailEnd/>
+              </a14:hiddenLine>
+            </a:ext>
+          </a:extLst>
+        </p:spPr>
+        <p:txBody>
+          <a:bodyPr wrap="square" numCol="1" anchor="t" anchorCtr="0" compatLnSpc="1">
+            <a:prstTxWarp prst="textNoShape">
+              <a:avLst/>
+            </a:prstTxWarp>
+          </a:bodyPr>
+          <a:lstStyle/>
+          <a:p>
+            <a:pPr eaLnBrk="1" hangingPunct="1">
+              <a:spcBef>
+                <a:spcPct val="0"/>
+              </a:spcBef>
+            </a:pPr>
+            <a:endParaRPr lang="zh-CN" altLang="en-US" smtClean="0"/>
+          </a:p>
+        </p:txBody>
+      </p:sp>
+      <p:sp>
+        <p:nvSpPr>
+          <p:cNvPr id="41988" name="灯片编号占位符 3"/>
+          <p:cNvSpPr>
+            <a:spLocks noGrp="1"/>
+          </p:cNvSpPr>
+          <p:nvPr>
+            <p:ph type="sldNum" sz="quarter" idx="5"/>
+          </p:nvPr>
+        </p:nvSpPr>
+        <p:spPr bwMode="auto">
+          <a:extLst>
+            <a:ext uri="{909E8E84-426E-40DD-AFC4-6F175D3DCCD1}">
+              <a14:hiddenFill xmlns:a14="http://schemas.microsoft.com/office/drawing/2010/main">
+                <a:solidFill>
+                  <a:srgbClr val="FFFFFF"/>
+                </a:solidFill>
+              </a14:hiddenFill>
+            </a:ext>
+            <a:ext uri="{91240B29-F687-4F45-9708-019B960494DF}">
+              <a14:hiddenLine xmlns:a14="http://schemas.microsoft.com/office/drawing/2010/main" w="9525">
+                <a:solidFill>
+                  <a:srgbClr val="000000"/>
+                </a:solidFill>
+                <a:miter lim="800000"/>
+                <a:headEnd/>
+                <a:tailEnd/>
+              </a14:hiddenLine>
+            </a:ext>
+          </a:extLst>
+        </p:spPr>
+        <p:txBody>
+          <a:bodyPr wrap="square" numCol="1" anchorCtr="0" compatLnSpc="1">
+            <a:prstTxWarp prst="textNoShape">
+              <a:avLst/>
+            </a:prstTxWarp>
+          </a:bodyPr>
+          <a:lstStyle>
+            <a:lvl1pPr eaLnBrk="0" hangingPunct="0">
+              <a:defRPr sz="2000">
+                <a:solidFill>
+                  <a:schemeClr val="tx1"/>
+                </a:solidFill>
+                <a:latin typeface="Arial" charset="0"/>
+                <a:ea typeface="宋体" charset="-122"/>
+              </a:defRPr>
+            </a:lvl1pPr>
+            <a:lvl2pPr marL="742950" indent="-285750" eaLnBrk="0" hangingPunct="0">
+              <a:defRPr sz="2000">
+                <a:solidFill>
+                  <a:schemeClr val="tx1"/>
+                </a:solidFill>
+                <a:latin typeface="Arial" charset="0"/>
+                <a:ea typeface="宋体" charset="-122"/>
+              </a:defRPr>
+            </a:lvl2pPr>
+            <a:lvl3pPr marL="1143000" indent="-228600" eaLnBrk="0" hangingPunct="0">
+              <a:defRPr sz="2000">
+                <a:solidFill>
+                  <a:schemeClr val="tx1"/>
+                </a:solidFill>
+                <a:latin typeface="Arial" charset="0"/>
+                <a:ea typeface="宋体" charset="-122"/>
+              </a:defRPr>
+            </a:lvl3pPr>
+            <a:lvl4pPr marL="1600200" indent="-228600" eaLnBrk="0" hangingPunct="0">
+              <a:defRPr sz="2000">
+                <a:solidFill>
+                  <a:schemeClr val="tx1"/>
+                </a:solidFill>
+                <a:latin typeface="Arial" charset="0"/>
+                <a:ea typeface="宋体" charset="-122"/>
+              </a:defRPr>
+            </a:lvl4pPr>
+            <a:lvl5pPr marL="2057400" indent="-228600" eaLnBrk="0" hangingPunct="0">
+              <a:defRPr sz="2000">
+                <a:solidFill>
+                  <a:schemeClr val="tx1"/>
+                </a:solidFill>
+                <a:latin typeface="Arial" charset="0"/>
+                <a:ea typeface="宋体" charset="-122"/>
+              </a:defRPr>
+            </a:lvl5pPr>
+            <a:lvl6pPr marL="2514600" indent="-228600" eaLnBrk="0" fontAlgn="base" hangingPunct="0">
+              <a:spcBef>
+                <a:spcPct val="0"/>
+              </a:spcBef>
+              <a:spcAft>
+                <a:spcPct val="20000"/>
+              </a:spcAft>
+              <a:buClr>
+                <a:srgbClr val="228A88"/>
+              </a:buClr>
+              <a:buFont typeface="Wingdings 2" pitchFamily="18" charset="2"/>
+              <a:defRPr sz="2000">
+                <a:solidFill>
+                  <a:schemeClr val="tx1"/>
+                </a:solidFill>
+                <a:latin typeface="Arial" charset="0"/>
+                <a:ea typeface="宋体" charset="-122"/>
+              </a:defRPr>
+            </a:lvl6pPr>
+            <a:lvl7pPr marL="2971800" indent="-228600" eaLnBrk="0" fontAlgn="base" hangingPunct="0">
+              <a:spcBef>
+                <a:spcPct val="0"/>
+              </a:spcBef>
+              <a:spcAft>
+                <a:spcPct val="20000"/>
+              </a:spcAft>
+              <a:buClr>
+                <a:srgbClr val="228A88"/>
+              </a:buClr>
+              <a:buFont typeface="Wingdings 2" pitchFamily="18" charset="2"/>
+              <a:defRPr sz="2000">
+                <a:solidFill>
+                  <a:schemeClr val="tx1"/>
+                </a:solidFill>
+                <a:latin typeface="Arial" charset="0"/>
+                <a:ea typeface="宋体" charset="-122"/>
+              </a:defRPr>
+            </a:lvl7pPr>
+            <a:lvl8pPr marL="3429000" indent="-228600" eaLnBrk="0" fontAlgn="base" hangingPunct="0">
+              <a:spcBef>
+                <a:spcPct val="0"/>
+              </a:spcBef>
+              <a:spcAft>
+                <a:spcPct val="20000"/>
+              </a:spcAft>
+              <a:buClr>
+                <a:srgbClr val="228A88"/>
+              </a:buClr>
+              <a:buFont typeface="Wingdings 2" pitchFamily="18" charset="2"/>
+              <a:defRPr sz="2000">
+                <a:solidFill>
+                  <a:schemeClr val="tx1"/>
+                </a:solidFill>
+                <a:latin typeface="Arial" charset="0"/>
+                <a:ea typeface="宋体" charset="-122"/>
+              </a:defRPr>
+            </a:lvl8pPr>
+            <a:lvl9pPr marL="3886200" indent="-228600" eaLnBrk="0" fontAlgn="base" hangingPunct="0">
+              <a:spcBef>
+                <a:spcPct val="0"/>
+              </a:spcBef>
+              <a:spcAft>
+                <a:spcPct val="20000"/>
+              </a:spcAft>
+              <a:buClr>
+                <a:srgbClr val="228A88"/>
+              </a:buClr>
+              <a:buFont typeface="Wingdings 2" pitchFamily="18" charset="2"/>
+              <a:defRPr sz="2000">
+                <a:solidFill>
+                  <a:schemeClr val="tx1"/>
+                </a:solidFill>
+                <a:latin typeface="Arial" charset="0"/>
+                <a:ea typeface="宋体" charset="-122"/>
+              </a:defRPr>
+            </a:lvl9pPr>
+          </a:lstStyle>
+          <a:p>
+            <a:pPr eaLnBrk="1" hangingPunct="1">
+              <a:defRPr/>
+            </a:pPr>
+            <a:fld id="{8545EA76-25C0-48F1-A790-A920D48CF63F}" type="slidenum">
+              <a:rPr lang="zh-CN" altLang="en-US" sz="1200" smtClean="0"/>
+              <a:pPr eaLnBrk="1" hangingPunct="1">
+                <a:defRPr/>
+              </a:pPr>
+              <a:t>5</a:t>
+            </a:fld>
+            <a:endParaRPr lang="zh-CN" altLang="en-US" sz="1200" smtClean="0"/>
+          </a:p>
+        </p:txBody>
+      </p:sp>
+    </p:spTree>
+  </p:cSld>
+  <p:clrMapOvr>
+    <a:masterClrMapping/>
+  </p:clrMapOvr>
+</p:notes>
+</file>
+
+<file path=ppt/notesSlides/notesSlide2.xml><?xml version="1.0" encoding="utf-8"?>
+<p:notes xmlns:a="http://schemas.openxmlformats.org/drawingml/2006/main" xmlns:r="http://schemas.openxmlformats.org/officeDocument/2006/relationships" xmlns:p="http://schemas.openxmlformats.org/presentationml/2006/main">
+  <p:cSld>
+    <p:spTree>
+      <p:nvGrpSpPr>
+        <p:cNvPr id="1" name=""/>
+        <p:cNvGrpSpPr/>
+        <p:nvPr/>
+      </p:nvGrpSpPr>
+      <p:grpSpPr>
+        <a:xfrm>
+          <a:off x="0" y="0"/>
+          <a:ext cx="0" cy="0"/>
+          <a:chOff x="0" y="0"/>
+          <a:chExt cx="0" cy="0"/>
+        </a:xfrm>
+      </p:grpSpPr>
+      <p:sp>
+        <p:nvSpPr>
           <p:cNvPr id="2" name="幻灯片图像占位符 1"/>
           <p:cNvSpPr>
             <a:spLocks noGrp="1" noRot="1" noChangeAspect="1"/>
@@ -550,7 +841,7 @@
             <a:fld id="{96901A81-0F01-4EEE-B1B8-8AAFCC661EC4}" type="slidenum">
               <a:rPr lang="zh-CN" altLang="en-US" smtClean="0"/>
               <a:pPr/>
-              <a:t>3</a:t>
+              <a:t>14</a:t>
             </a:fld>
             <a:endParaRPr lang="zh-CN" altLang="en-US"/>
           </a:p>
@@ -2165,7 +2456,7 @@
             <a:fld id="{B35E7478-ADE7-4480-A214-01473DFE0029}" type="datetimeFigureOut">
               <a:rPr lang="zh-CN" altLang="en-US" smtClean="0"/>
               <a:pPr/>
-              <a:t>2017/12/7</a:t>
+              <a:t>2017/12/19</a:t>
             </a:fld>
             <a:endParaRPr lang="zh-CN" altLang="en-US"/>
           </a:p>
@@ -6030,7 +6321,7 @@
             <a:fld id="{B35E7478-ADE7-4480-A214-01473DFE0029}" type="datetimeFigureOut">
               <a:rPr lang="zh-CN" altLang="en-US" smtClean="0"/>
               <a:pPr/>
-              <a:t>2017/12/7</a:t>
+              <a:t>2017/12/19</a:t>
             </a:fld>
             <a:endParaRPr lang="zh-CN" altLang="en-US"/>
           </a:p>
@@ -7698,7 +7989,7 @@
             <a:fld id="{B35E7478-ADE7-4480-A214-01473DFE0029}" type="datetimeFigureOut">
               <a:rPr lang="zh-CN" altLang="en-US" smtClean="0"/>
               <a:pPr/>
-              <a:t>2017/12/7</a:t>
+              <a:t>2017/12/19</a:t>
             </a:fld>
             <a:endParaRPr lang="zh-CN" altLang="en-US"/>
           </a:p>
@@ -12002,7 +12293,7 @@
                 </a:solidFill>
               </a:rPr>
               <a:pPr/>
-              <a:t>2017/12/7</a:t>
+              <a:t>2017/12/19</a:t>
             </a:fld>
             <a:endParaRPr lang="zh-CN" altLang="en-US">
               <a:solidFill>
@@ -15920,7 +16211,7 @@
                 </a:solidFill>
               </a:rPr>
               <a:pPr/>
-              <a:t>2017/12/7</a:t>
+              <a:t>2017/12/19</a:t>
             </a:fld>
             <a:endParaRPr lang="zh-CN" altLang="en-US">
               <a:solidFill>
@@ -21771,7 +22062,7 @@
                 </a:solidFill>
               </a:rPr>
               <a:pPr/>
-              <a:t>2017/12/7</a:t>
+              <a:t>2017/12/19</a:t>
             </a:fld>
             <a:endParaRPr lang="zh-CN" altLang="en-US">
               <a:solidFill>
@@ -22361,7 +22652,7 @@
                 </a:solidFill>
               </a:rPr>
               <a:pPr/>
-              <a:t>2017/12/7</a:t>
+              <a:t>2017/12/19</a:t>
             </a:fld>
             <a:endParaRPr lang="zh-CN" altLang="en-US">
               <a:solidFill>
@@ -26065,7 +26356,7 @@
                 </a:solidFill>
               </a:rPr>
               <a:pPr/>
-              <a:t>2017/12/7</a:t>
+              <a:t>2017/12/19</a:t>
             </a:fld>
             <a:endParaRPr lang="zh-CN" altLang="en-US">
               <a:solidFill>
@@ -26199,7 +26490,7 @@
                 </a:solidFill>
               </a:rPr>
               <a:pPr/>
-              <a:t>2017/12/7</a:t>
+              <a:t>2017/12/19</a:t>
             </a:fld>
             <a:endParaRPr lang="zh-CN" altLang="en-US">
               <a:solidFill>
@@ -27028,7 +27319,7 @@
             <a:fld id="{B35E7478-ADE7-4480-A214-01473DFE0029}" type="datetimeFigureOut">
               <a:rPr lang="zh-CN" altLang="en-US" smtClean="0"/>
               <a:pPr/>
-              <a:t>2017/12/7</a:t>
+              <a:t>2017/12/19</a:t>
             </a:fld>
             <a:endParaRPr lang="zh-CN" altLang="en-US"/>
           </a:p>
@@ -32356,7 +32647,7 @@
             <a:fld id="{B35E7478-ADE7-4480-A214-01473DFE0029}" type="datetimeFigureOut">
               <a:rPr lang="zh-CN" altLang="en-US" smtClean="0"/>
               <a:pPr/>
-              <a:t>2017/12/7</a:t>
+              <a:t>2017/12/19</a:t>
             </a:fld>
             <a:endParaRPr lang="zh-CN" altLang="en-US"/>
           </a:p>
@@ -37710,7 +38001,7 @@
             <a:fld id="{B35E7478-ADE7-4480-A214-01473DFE0029}" type="datetimeFigureOut">
               <a:rPr lang="zh-CN" altLang="en-US" smtClean="0"/>
               <a:pPr/>
-              <a:t>2017/12/7</a:t>
+              <a:t>2017/12/19</a:t>
             </a:fld>
             <a:endParaRPr lang="zh-CN" altLang="en-US"/>
           </a:p>
@@ -37807,7 +38098,7 @@
             <a:fld id="{B35E7478-ADE7-4480-A214-01473DFE0029}" type="datetimeFigureOut">
               <a:rPr lang="zh-CN" altLang="en-US" smtClean="0"/>
               <a:pPr/>
-              <a:t>2017/12/7</a:t>
+              <a:t>2017/12/19</a:t>
             </a:fld>
             <a:endParaRPr lang="zh-CN" altLang="en-US"/>
           </a:p>
@@ -38093,7 +38384,7 @@
             <a:fld id="{B35E7478-ADE7-4480-A214-01473DFE0029}" type="datetimeFigureOut">
               <a:rPr lang="zh-CN" altLang="en-US" smtClean="0"/>
               <a:pPr/>
-              <a:t>2017/12/7</a:t>
+              <a:t>2017/12/19</a:t>
             </a:fld>
             <a:endParaRPr lang="zh-CN" altLang="en-US"/>
           </a:p>
@@ -38348,7 +38639,7 @@
             <a:fld id="{B35E7478-ADE7-4480-A214-01473DFE0029}" type="datetimeFigureOut">
               <a:rPr lang="zh-CN" altLang="en-US" smtClean="0"/>
               <a:pPr/>
-              <a:t>2017/12/7</a:t>
+              <a:t>2017/12/19</a:t>
             </a:fld>
             <a:endParaRPr lang="zh-CN" altLang="en-US"/>
           </a:p>
@@ -38520,7 +38811,7 @@
             <a:fld id="{B35E7478-ADE7-4480-A214-01473DFE0029}" type="datetimeFigureOut">
               <a:rPr lang="zh-CN" altLang="en-US" smtClean="0"/>
               <a:pPr/>
-              <a:t>2017/12/7</a:t>
+              <a:t>2017/12/19</a:t>
             </a:fld>
             <a:endParaRPr lang="zh-CN" altLang="en-US"/>
           </a:p>
@@ -38747,7 +39038,7 @@
             <a:fld id="{B35E7478-ADE7-4480-A214-01473DFE0029}" type="datetimeFigureOut">
               <a:rPr lang="zh-CN" altLang="en-US" smtClean="0"/>
               <a:pPr/>
-              <a:t>2017/12/7</a:t>
+              <a:t>2017/12/19</a:t>
             </a:fld>
             <a:endParaRPr lang="zh-CN" altLang="en-US"/>
           </a:p>
@@ -39283,7 +39574,7 @@
                 </a:solidFill>
               </a:rPr>
               <a:pPr/>
-              <a:t>2017/12/7</a:t>
+              <a:t>2017/12/19</a:t>
             </a:fld>
             <a:endParaRPr lang="zh-CN" altLang="en-US">
               <a:solidFill>
@@ -39706,7 +39997,7 @@
           <a:p>
             <a:r>
               <a:rPr lang="en-US" altLang="zh-CN" dirty="0" smtClean="0"/>
-              <a:t>Servlet</a:t>
+              <a:t>Http</a:t>
             </a:r>
             <a:r>
               <a:rPr lang="zh-CN" altLang="en-US" dirty="0" smtClean="0"/>
@@ -39759,6 +40050,637 @@
 </p:sld>
 </file>
 
+<file path=ppt/slides/slide10.xml><?xml version="1.0" encoding="utf-8"?>
+<p:sld xmlns:a="http://schemas.openxmlformats.org/drawingml/2006/main" xmlns:r="http://schemas.openxmlformats.org/officeDocument/2006/relationships" xmlns:p="http://schemas.openxmlformats.org/presentationml/2006/main">
+  <p:cSld>
+    <p:spTree>
+      <p:nvGrpSpPr>
+        <p:cNvPr id="1" name=""/>
+        <p:cNvGrpSpPr/>
+        <p:nvPr/>
+      </p:nvGrpSpPr>
+      <p:grpSpPr>
+        <a:xfrm>
+          <a:off x="0" y="0"/>
+          <a:ext cx="0" cy="0"/>
+          <a:chOff x="0" y="0"/>
+          <a:chExt cx="0" cy="0"/>
+        </a:xfrm>
+      </p:grpSpPr>
+      <p:sp>
+        <p:nvSpPr>
+          <p:cNvPr id="15362" name="内容占位符 1"/>
+          <p:cNvSpPr>
+            <a:spLocks noGrp="1"/>
+          </p:cNvSpPr>
+          <p:nvPr>
+            <p:ph idx="1"/>
+          </p:nvPr>
+        </p:nvSpPr>
+        <p:spPr>
+          <a:xfrm>
+            <a:off x="428625" y="1143000"/>
+            <a:ext cx="8429625" cy="4525963"/>
+          </a:xfrm>
+        </p:spPr>
+        <p:txBody>
+          <a:bodyPr/>
+          <a:lstStyle/>
+          <a:p>
+            <a:pPr eaLnBrk="1" hangingPunct="1"/>
+            <a:r>
+              <a:rPr lang="en-US" altLang="zh-CN" smtClean="0"/>
+              <a:t>Accept-Ranges</a:t>
+            </a:r>
+          </a:p>
+          <a:p>
+            <a:pPr eaLnBrk="1" hangingPunct="1"/>
+            <a:r>
+              <a:rPr lang="en-US" altLang="zh-CN" smtClean="0"/>
+              <a:t>Content-Type</a:t>
+            </a:r>
+          </a:p>
+          <a:p>
+            <a:pPr eaLnBrk="1" hangingPunct="1"/>
+            <a:r>
+              <a:rPr lang="en-US" altLang="zh-CN" smtClean="0"/>
+              <a:t>Content-Length</a:t>
+            </a:r>
+          </a:p>
+          <a:p>
+            <a:pPr eaLnBrk="1" hangingPunct="1"/>
+            <a:r>
+              <a:rPr lang="en-US" altLang="zh-CN" smtClean="0"/>
+              <a:t>Content-Encoding</a:t>
+            </a:r>
+          </a:p>
+          <a:p>
+            <a:pPr eaLnBrk="1" hangingPunct="1"/>
+            <a:r>
+              <a:rPr lang="en-US" altLang="zh-CN" smtClean="0"/>
+              <a:t>Transfer-Encoding</a:t>
+            </a:r>
+            <a:endParaRPr lang="zh-CN" altLang="en-US" smtClean="0"/>
+          </a:p>
+        </p:txBody>
+      </p:sp>
+      <p:sp>
+        <p:nvSpPr>
+          <p:cNvPr id="3" name="标题 2"/>
+          <p:cNvSpPr>
+            <a:spLocks noGrp="1"/>
+          </p:cNvSpPr>
+          <p:nvPr>
+            <p:ph type="title"/>
+          </p:nvPr>
+        </p:nvSpPr>
+        <p:spPr>
+          <a:xfrm>
+            <a:off x="34925" y="188913"/>
+            <a:ext cx="8229600" cy="571500"/>
+          </a:xfrm>
+        </p:spPr>
+        <p:txBody>
+          <a:bodyPr/>
+          <a:lstStyle/>
+          <a:p>
+            <a:pPr eaLnBrk="1" hangingPunct="1">
+              <a:defRPr/>
+            </a:pPr>
+            <a:r>
+              <a:rPr lang="zh-CN" altLang="en-US" dirty="0" smtClean="0"/>
+              <a:t>响应</a:t>
+            </a:r>
+            <a:r>
+              <a:rPr lang="en-US" altLang="zh-CN" dirty="0" smtClean="0"/>
+              <a:t>Header</a:t>
+            </a:r>
+            <a:endParaRPr lang="zh-CN" altLang="en-US" dirty="0"/>
+          </a:p>
+        </p:txBody>
+      </p:sp>
+    </p:spTree>
+    <p:extLst>
+      <p:ext uri="{BB962C8B-B14F-4D97-AF65-F5344CB8AC3E}">
+        <p14:creationId xmlns:p14="http://schemas.microsoft.com/office/powerpoint/2010/main" val="690582284"/>
+      </p:ext>
+    </p:extLst>
+  </p:cSld>
+  <p:clrMapOvr>
+    <a:masterClrMapping/>
+  </p:clrMapOvr>
+  <p:timing>
+    <p:tnLst>
+      <p:par>
+        <p:cTn id="1" dur="indefinite" restart="never" nodeType="tmRoot"/>
+      </p:par>
+    </p:tnLst>
+  </p:timing>
+</p:sld>
+</file>
+
+<file path=ppt/slides/slide11.xml><?xml version="1.0" encoding="utf-8"?>
+<p:sld xmlns:a="http://schemas.openxmlformats.org/drawingml/2006/main" xmlns:r="http://schemas.openxmlformats.org/officeDocument/2006/relationships" xmlns:p="http://schemas.openxmlformats.org/presentationml/2006/main">
+  <p:cSld>
+    <p:spTree>
+      <p:nvGrpSpPr>
+        <p:cNvPr id="1" name=""/>
+        <p:cNvGrpSpPr/>
+        <p:nvPr/>
+      </p:nvGrpSpPr>
+      <p:grpSpPr>
+        <a:xfrm>
+          <a:off x="0" y="0"/>
+          <a:ext cx="0" cy="0"/>
+          <a:chOff x="0" y="0"/>
+          <a:chExt cx="0" cy="0"/>
+        </a:xfrm>
+      </p:grpSpPr>
+      <p:sp>
+        <p:nvSpPr>
+          <p:cNvPr id="16386" name="内容占位符 1"/>
+          <p:cNvSpPr>
+            <a:spLocks noGrp="1"/>
+          </p:cNvSpPr>
+          <p:nvPr>
+            <p:ph idx="1"/>
+          </p:nvPr>
+        </p:nvSpPr>
+        <p:spPr>
+          <a:xfrm>
+            <a:off x="428625" y="1143000"/>
+            <a:ext cx="8429625" cy="4525963"/>
+          </a:xfrm>
+        </p:spPr>
+        <p:txBody>
+          <a:bodyPr/>
+          <a:lstStyle/>
+          <a:p>
+            <a:pPr eaLnBrk="1" hangingPunct="1"/>
+            <a:r>
+              <a:rPr lang="en-US" altLang="zh-CN" smtClean="0"/>
+              <a:t>1xx: </a:t>
+            </a:r>
+            <a:r>
+              <a:rPr lang="zh-CN" altLang="en-US" smtClean="0"/>
+              <a:t>说明信息，正进行中</a:t>
+            </a:r>
+            <a:endParaRPr lang="en-US" altLang="zh-CN" smtClean="0"/>
+          </a:p>
+          <a:p>
+            <a:pPr lvl="1" eaLnBrk="1" hangingPunct="1">
+              <a:buFont typeface="Arial" charset="0"/>
+              <a:buNone/>
+            </a:pPr>
+            <a:r>
+              <a:rPr lang="en-US" altLang="zh-CN" smtClean="0"/>
+              <a:t>  100 Continue</a:t>
+            </a:r>
+          </a:p>
+          <a:p>
+            <a:pPr eaLnBrk="1" hangingPunct="1"/>
+            <a:r>
+              <a:rPr lang="en-US" altLang="zh-CN" smtClean="0"/>
+              <a:t>2xx: Success</a:t>
+            </a:r>
+          </a:p>
+          <a:p>
+            <a:pPr lvl="1" eaLnBrk="1" hangingPunct="1">
+              <a:buFont typeface="Arial" charset="0"/>
+              <a:buNone/>
+            </a:pPr>
+            <a:r>
+              <a:rPr lang="en-US" altLang="zh-CN" smtClean="0"/>
+              <a:t>  200 OK</a:t>
+            </a:r>
+          </a:p>
+          <a:p>
+            <a:pPr lvl="1" eaLnBrk="1" hangingPunct="1">
+              <a:buFont typeface="Arial" charset="0"/>
+              <a:buNone/>
+            </a:pPr>
+            <a:r>
+              <a:rPr lang="en-US" altLang="zh-CN" smtClean="0"/>
+              <a:t>  201 Created</a:t>
+            </a:r>
+          </a:p>
+          <a:p>
+            <a:pPr eaLnBrk="1" hangingPunct="1"/>
+            <a:r>
+              <a:rPr lang="en-US" altLang="zh-CN" smtClean="0"/>
+              <a:t>3xx: Redirection</a:t>
+            </a:r>
+          </a:p>
+        </p:txBody>
+      </p:sp>
+      <p:sp>
+        <p:nvSpPr>
+          <p:cNvPr id="3" name="标题 2"/>
+          <p:cNvSpPr>
+            <a:spLocks noGrp="1"/>
+          </p:cNvSpPr>
+          <p:nvPr>
+            <p:ph type="title"/>
+          </p:nvPr>
+        </p:nvSpPr>
+        <p:spPr>
+          <a:xfrm>
+            <a:off x="34925" y="188913"/>
+            <a:ext cx="8229600" cy="571500"/>
+          </a:xfrm>
+        </p:spPr>
+        <p:txBody>
+          <a:bodyPr/>
+          <a:lstStyle/>
+          <a:p>
+            <a:pPr eaLnBrk="1" hangingPunct="1">
+              <a:defRPr/>
+            </a:pPr>
+            <a:r>
+              <a:rPr lang="zh-CN" altLang="en-US" dirty="0" smtClean="0"/>
+              <a:t>响应码</a:t>
+            </a:r>
+            <a:endParaRPr lang="zh-CN" altLang="en-US" dirty="0"/>
+          </a:p>
+        </p:txBody>
+      </p:sp>
+    </p:spTree>
+    <p:extLst>
+      <p:ext uri="{BB962C8B-B14F-4D97-AF65-F5344CB8AC3E}">
+        <p14:creationId xmlns:p14="http://schemas.microsoft.com/office/powerpoint/2010/main" val="2959343477"/>
+      </p:ext>
+    </p:extLst>
+  </p:cSld>
+  <p:clrMapOvr>
+    <a:masterClrMapping/>
+  </p:clrMapOvr>
+  <p:timing>
+    <p:tnLst>
+      <p:par>
+        <p:cTn id="1" dur="indefinite" restart="never" nodeType="tmRoot"/>
+      </p:par>
+    </p:tnLst>
+  </p:timing>
+</p:sld>
+</file>
+
+<file path=ppt/slides/slide12.xml><?xml version="1.0" encoding="utf-8"?>
+<p:sld xmlns:a="http://schemas.openxmlformats.org/drawingml/2006/main" xmlns:r="http://schemas.openxmlformats.org/officeDocument/2006/relationships" xmlns:p="http://schemas.openxmlformats.org/presentationml/2006/main">
+  <p:cSld>
+    <p:spTree>
+      <p:nvGrpSpPr>
+        <p:cNvPr id="1" name=""/>
+        <p:cNvGrpSpPr/>
+        <p:nvPr/>
+      </p:nvGrpSpPr>
+      <p:grpSpPr>
+        <a:xfrm>
+          <a:off x="0" y="0"/>
+          <a:ext cx="0" cy="0"/>
+          <a:chOff x="0" y="0"/>
+          <a:chExt cx="0" cy="0"/>
+        </a:xfrm>
+      </p:grpSpPr>
+      <p:sp>
+        <p:nvSpPr>
+          <p:cNvPr id="17410" name="内容占位符 1"/>
+          <p:cNvSpPr>
+            <a:spLocks noGrp="1"/>
+          </p:cNvSpPr>
+          <p:nvPr>
+            <p:ph idx="1"/>
+          </p:nvPr>
+        </p:nvSpPr>
+        <p:spPr>
+          <a:xfrm>
+            <a:off x="428625" y="1143000"/>
+            <a:ext cx="8429625" cy="4525963"/>
+          </a:xfrm>
+        </p:spPr>
+        <p:txBody>
+          <a:bodyPr/>
+          <a:lstStyle/>
+          <a:p>
+            <a:pPr eaLnBrk="1" hangingPunct="1"/>
+            <a:r>
+              <a:rPr lang="en-US" altLang="zh-CN" smtClean="0"/>
+              <a:t>4xx: Client Error</a:t>
+            </a:r>
+          </a:p>
+          <a:p>
+            <a:pPr eaLnBrk="1" hangingPunct="1">
+              <a:buFont typeface="微软雅黑" pitchFamily="34" charset="-122"/>
+              <a:buNone/>
+            </a:pPr>
+            <a:r>
+              <a:rPr lang="en-US" altLang="zh-CN" sz="2400" smtClean="0"/>
+              <a:t>     400 Bad Request</a:t>
+            </a:r>
+          </a:p>
+          <a:p>
+            <a:pPr eaLnBrk="1" hangingPunct="1">
+              <a:buFont typeface="微软雅黑" pitchFamily="34" charset="-122"/>
+              <a:buNone/>
+            </a:pPr>
+            <a:r>
+              <a:rPr lang="en-US" altLang="zh-CN" sz="2400" smtClean="0"/>
+              <a:t>     401 Unauthorized</a:t>
+            </a:r>
+          </a:p>
+          <a:p>
+            <a:pPr eaLnBrk="1" hangingPunct="1">
+              <a:buFont typeface="微软雅黑" pitchFamily="34" charset="-122"/>
+              <a:buNone/>
+            </a:pPr>
+            <a:r>
+              <a:rPr lang="en-US" altLang="zh-CN" sz="2400" smtClean="0"/>
+              <a:t>     403 Forbidden</a:t>
+            </a:r>
+          </a:p>
+          <a:p>
+            <a:pPr eaLnBrk="1" hangingPunct="1">
+              <a:buFont typeface="微软雅黑" pitchFamily="34" charset="-122"/>
+              <a:buNone/>
+            </a:pPr>
+            <a:r>
+              <a:rPr lang="en-US" altLang="zh-CN" sz="2400" smtClean="0"/>
+              <a:t>     404 Not Found</a:t>
+            </a:r>
+          </a:p>
+          <a:p>
+            <a:pPr eaLnBrk="1" hangingPunct="1"/>
+            <a:r>
+              <a:rPr lang="en-US" altLang="zh-CN" smtClean="0"/>
+              <a:t>5xx: Server Error</a:t>
+            </a:r>
+          </a:p>
+          <a:p>
+            <a:pPr lvl="1" eaLnBrk="1" hangingPunct="1">
+              <a:buFont typeface="Arial" charset="0"/>
+              <a:buNone/>
+            </a:pPr>
+            <a:r>
+              <a:rPr lang="en-US" altLang="zh-CN" sz="2400" smtClean="0"/>
+              <a:t>500 Internal Server Error</a:t>
+            </a:r>
+          </a:p>
+          <a:p>
+            <a:pPr lvl="1" eaLnBrk="1" hangingPunct="1">
+              <a:buFont typeface="Arial" charset="0"/>
+              <a:buNone/>
+            </a:pPr>
+            <a:r>
+              <a:rPr lang="en-US" altLang="zh-CN" sz="2400" smtClean="0"/>
+              <a:t>503 Service Unavailable</a:t>
+            </a:r>
+          </a:p>
+          <a:p>
+            <a:pPr eaLnBrk="1" hangingPunct="1">
+              <a:buFont typeface="微软雅黑" pitchFamily="34" charset="-122"/>
+              <a:buNone/>
+            </a:pPr>
+            <a:endParaRPr lang="zh-CN" altLang="en-US" smtClean="0"/>
+          </a:p>
+          <a:p>
+            <a:pPr eaLnBrk="1" hangingPunct="1"/>
+            <a:endParaRPr lang="zh-CN" altLang="en-US" smtClean="0"/>
+          </a:p>
+        </p:txBody>
+      </p:sp>
+      <p:sp>
+        <p:nvSpPr>
+          <p:cNvPr id="3" name="标题 2"/>
+          <p:cNvSpPr>
+            <a:spLocks noGrp="1"/>
+          </p:cNvSpPr>
+          <p:nvPr>
+            <p:ph type="title"/>
+          </p:nvPr>
+        </p:nvSpPr>
+        <p:spPr>
+          <a:xfrm>
+            <a:off x="34925" y="188913"/>
+            <a:ext cx="8229600" cy="571500"/>
+          </a:xfrm>
+        </p:spPr>
+        <p:txBody>
+          <a:bodyPr/>
+          <a:lstStyle/>
+          <a:p>
+            <a:pPr eaLnBrk="1" hangingPunct="1">
+              <a:defRPr/>
+            </a:pPr>
+            <a:r>
+              <a:rPr lang="zh-CN" altLang="en-US" dirty="0" smtClean="0"/>
+              <a:t>响应码</a:t>
+            </a:r>
+            <a:endParaRPr lang="zh-CN" altLang="en-US" dirty="0"/>
+          </a:p>
+        </p:txBody>
+      </p:sp>
+    </p:spTree>
+    <p:extLst>
+      <p:ext uri="{BB962C8B-B14F-4D97-AF65-F5344CB8AC3E}">
+        <p14:creationId xmlns:p14="http://schemas.microsoft.com/office/powerpoint/2010/main" val="3818823082"/>
+      </p:ext>
+    </p:extLst>
+  </p:cSld>
+  <p:clrMapOvr>
+    <a:masterClrMapping/>
+  </p:clrMapOvr>
+  <p:timing>
+    <p:tnLst>
+      <p:par>
+        <p:cTn id="1" dur="indefinite" restart="never" nodeType="tmRoot"/>
+      </p:par>
+    </p:tnLst>
+  </p:timing>
+</p:sld>
+</file>
+
+<file path=ppt/slides/slide13.xml><?xml version="1.0" encoding="utf-8"?>
+<p:sld xmlns:a="http://schemas.openxmlformats.org/drawingml/2006/main" xmlns:r="http://schemas.openxmlformats.org/officeDocument/2006/relationships" xmlns:p="http://schemas.openxmlformats.org/presentationml/2006/main">
+  <p:cSld>
+    <p:spTree>
+      <p:nvGrpSpPr>
+        <p:cNvPr id="1" name=""/>
+        <p:cNvGrpSpPr/>
+        <p:nvPr/>
+      </p:nvGrpSpPr>
+      <p:grpSpPr>
+        <a:xfrm>
+          <a:off x="0" y="0"/>
+          <a:ext cx="0" cy="0"/>
+          <a:chOff x="0" y="0"/>
+          <a:chExt cx="0" cy="0"/>
+        </a:xfrm>
+      </p:grpSpPr>
+      <p:sp>
+        <p:nvSpPr>
+          <p:cNvPr id="18434" name="内容占位符 1"/>
+          <p:cNvSpPr>
+            <a:spLocks noGrp="1"/>
+          </p:cNvSpPr>
+          <p:nvPr>
+            <p:ph idx="1"/>
+          </p:nvPr>
+        </p:nvSpPr>
+        <p:spPr>
+          <a:xfrm>
+            <a:off x="428625" y="1143000"/>
+            <a:ext cx="8429625" cy="4525963"/>
+          </a:xfrm>
+        </p:spPr>
+        <p:txBody>
+          <a:bodyPr/>
+          <a:lstStyle/>
+          <a:p>
+            <a:pPr eaLnBrk="1" hangingPunct="1"/>
+            <a:r>
+              <a:rPr lang="en-US" altLang="zh-CN" smtClean="0"/>
+              <a:t>text/plain</a:t>
+            </a:r>
+          </a:p>
+          <a:p>
+            <a:pPr eaLnBrk="1" hangingPunct="1"/>
+            <a:r>
+              <a:rPr lang="en-US" altLang="zh-CN" smtClean="0"/>
+              <a:t>text/html</a:t>
+            </a:r>
+          </a:p>
+          <a:p>
+            <a:pPr eaLnBrk="1" hangingPunct="1"/>
+            <a:r>
+              <a:rPr lang="en-US" altLang="zh-CN" smtClean="0"/>
+              <a:t>text/xml</a:t>
+            </a:r>
+          </a:p>
+          <a:p>
+            <a:pPr eaLnBrk="1" hangingPunct="1"/>
+            <a:r>
+              <a:rPr lang="en-US" altLang="zh-CN" smtClean="0"/>
+              <a:t>application/xml</a:t>
+            </a:r>
+          </a:p>
+          <a:p>
+            <a:pPr eaLnBrk="1" hangingPunct="1"/>
+            <a:r>
+              <a:rPr lang="en-US" altLang="zh-CN" smtClean="0"/>
+              <a:t>application/json</a:t>
+            </a:r>
+          </a:p>
+          <a:p>
+            <a:pPr eaLnBrk="1" hangingPunct="1"/>
+            <a:r>
+              <a:rPr lang="en-US" altLang="zh-CN" smtClean="0"/>
+              <a:t>image/png</a:t>
+            </a:r>
+          </a:p>
+          <a:p>
+            <a:pPr eaLnBrk="1" hangingPunct="1"/>
+            <a:r>
+              <a:rPr lang="en-US" altLang="zh-CN" smtClean="0"/>
+              <a:t>image/gif</a:t>
+            </a:r>
+          </a:p>
+          <a:p>
+            <a:pPr eaLnBrk="1" hangingPunct="1"/>
+            <a:r>
+              <a:rPr lang="en-US" altLang="zh-CN" smtClean="0"/>
+              <a:t>…..</a:t>
+            </a:r>
+            <a:endParaRPr lang="zh-CN" altLang="en-US" smtClean="0"/>
+          </a:p>
+        </p:txBody>
+      </p:sp>
+      <p:sp>
+        <p:nvSpPr>
+          <p:cNvPr id="3" name="标题 2"/>
+          <p:cNvSpPr>
+            <a:spLocks noGrp="1"/>
+          </p:cNvSpPr>
+          <p:nvPr>
+            <p:ph type="title"/>
+          </p:nvPr>
+        </p:nvSpPr>
+        <p:spPr>
+          <a:xfrm>
+            <a:off x="34925" y="188913"/>
+            <a:ext cx="8229600" cy="571500"/>
+          </a:xfrm>
+        </p:spPr>
+        <p:txBody>
+          <a:bodyPr/>
+          <a:lstStyle/>
+          <a:p>
+            <a:pPr eaLnBrk="1" hangingPunct="1">
+              <a:defRPr/>
+            </a:pPr>
+            <a:r>
+              <a:rPr lang="en-US" altLang="zh-CN" sz="2400" dirty="0" smtClean="0"/>
+              <a:t>MIME(Multipurpose Internet Mail Extensions)</a:t>
+            </a:r>
+            <a:endParaRPr lang="zh-CN" altLang="en-US" sz="2400" dirty="0"/>
+          </a:p>
+        </p:txBody>
+      </p:sp>
+    </p:spTree>
+    <p:extLst>
+      <p:ext uri="{BB962C8B-B14F-4D97-AF65-F5344CB8AC3E}">
+        <p14:creationId xmlns:p14="http://schemas.microsoft.com/office/powerpoint/2010/main" val="572459526"/>
+      </p:ext>
+    </p:extLst>
+  </p:cSld>
+  <p:clrMapOvr>
+    <a:masterClrMapping/>
+  </p:clrMapOvr>
+  <p:timing>
+    <p:tnLst>
+      <p:par>
+        <p:cTn id="1" dur="indefinite" restart="never" nodeType="tmRoot"/>
+      </p:par>
+    </p:tnLst>
+  </p:timing>
+</p:sld>
+</file>
+
+<file path=ppt/slides/slide14.xml><?xml version="1.0" encoding="utf-8"?>
+<p:sld xmlns:a="http://schemas.openxmlformats.org/drawingml/2006/main" xmlns:r="http://schemas.openxmlformats.org/officeDocument/2006/relationships" xmlns:p="http://schemas.openxmlformats.org/presentationml/2006/main">
+  <p:cSld>
+    <p:spTree>
+      <p:nvGrpSpPr>
+        <p:cNvPr id="1" name=""/>
+        <p:cNvGrpSpPr/>
+        <p:nvPr/>
+      </p:nvGrpSpPr>
+      <p:grpSpPr>
+        <a:xfrm>
+          <a:off x="0" y="0"/>
+          <a:ext cx="0" cy="0"/>
+          <a:chOff x="0" y="0"/>
+          <a:chExt cx="0" cy="0"/>
+        </a:xfrm>
+      </p:grpSpPr>
+    </p:spTree>
+    <p:extLst>
+      <p:ext uri="{BB962C8B-B14F-4D97-AF65-F5344CB8AC3E}">
+        <p14:creationId xmlns:p14="http://schemas.microsoft.com/office/powerpoint/2010/main" val="3418871224"/>
+      </p:ext>
+    </p:extLst>
+  </p:cSld>
+  <p:clrMapOvr>
+    <a:masterClrMapping/>
+  </p:clrMapOvr>
+  <p:timing>
+    <p:tnLst>
+      <p:par>
+        <p:cTn id="1" dur="indefinite" restart="never" nodeType="tmRoot"/>
+      </p:par>
+    </p:tnLst>
+  </p:timing>
+</p:sld>
+</file>
+
 <file path=ppt/slides/slide2.xml><?xml version="1.0" encoding="utf-8"?>
 <p:sld xmlns:a="http://schemas.openxmlformats.org/drawingml/2006/main" xmlns:r="http://schemas.openxmlformats.org/officeDocument/2006/relationships" xmlns:p="http://schemas.openxmlformats.org/presentationml/2006/main">
   <p:cSld>
@@ -39778,7 +40700,72 @@
       </p:grpSpPr>
       <p:sp>
         <p:nvSpPr>
-          <p:cNvPr id="2" name="标题 1"/>
+          <p:cNvPr id="7170" name="内容占位符 1"/>
+          <p:cNvSpPr>
+            <a:spLocks noGrp="1"/>
+          </p:cNvSpPr>
+          <p:nvPr>
+            <p:ph idx="1"/>
+          </p:nvPr>
+        </p:nvSpPr>
+        <p:spPr>
+          <a:xfrm>
+            <a:off x="428625" y="1143000"/>
+            <a:ext cx="8429625" cy="4525963"/>
+          </a:xfrm>
+        </p:spPr>
+        <p:txBody>
+          <a:bodyPr/>
+          <a:lstStyle/>
+          <a:p>
+            <a:pPr eaLnBrk="1" hangingPunct="1"/>
+            <a:r>
+              <a:rPr lang="en-US" altLang="zh-CN" sz="2800" dirty="0" smtClean="0"/>
+              <a:t>HTTP</a:t>
+            </a:r>
+            <a:r>
+              <a:rPr lang="zh-CN" altLang="en-US" sz="2800" dirty="0" smtClean="0"/>
+              <a:t>是一个</a:t>
+            </a:r>
+            <a:r>
+              <a:rPr lang="en-US" altLang="zh-CN" sz="2800" dirty="0" smtClean="0"/>
+              <a:t>Request-Response</a:t>
+            </a:r>
+            <a:r>
+              <a:rPr lang="zh-CN" altLang="en-US" sz="2800" dirty="0" smtClean="0"/>
+              <a:t>协议</a:t>
+            </a:r>
+            <a:endParaRPr lang="en-US" altLang="zh-CN" sz="2800" dirty="0" smtClean="0"/>
+          </a:p>
+          <a:p>
+            <a:pPr eaLnBrk="1" hangingPunct="1"/>
+            <a:r>
+              <a:rPr lang="en-US" altLang="zh-CN" sz="2800" dirty="0" smtClean="0"/>
+              <a:t>HTTP</a:t>
+            </a:r>
+            <a:r>
+              <a:rPr lang="zh-CN" altLang="en-US" sz="2800" dirty="0" smtClean="0"/>
+              <a:t>是一个文本协议</a:t>
+            </a:r>
+            <a:endParaRPr lang="en-US" altLang="zh-CN" sz="2800" dirty="0" smtClean="0"/>
+          </a:p>
+          <a:p>
+            <a:pPr eaLnBrk="1" hangingPunct="1"/>
+            <a:r>
+              <a:rPr lang="zh-CN" altLang="en-US" sz="2800" dirty="0" smtClean="0"/>
+              <a:t>协议示意图</a:t>
+            </a:r>
+            <a:endParaRPr lang="en-US" altLang="zh-CN" sz="2800" dirty="0" smtClean="0"/>
+          </a:p>
+          <a:p>
+            <a:pPr eaLnBrk="1" hangingPunct="1"/>
+            <a:endParaRPr lang="zh-CN" altLang="en-US" sz="2800" dirty="0" smtClean="0"/>
+          </a:p>
+        </p:txBody>
+      </p:sp>
+      <p:sp>
+        <p:nvSpPr>
+          <p:cNvPr id="3" name="标题 2"/>
           <p:cNvSpPr>
             <a:spLocks noGrp="1"/>
           </p:cNvSpPr>
@@ -39786,46 +40773,104 @@
             <p:ph type="title"/>
           </p:nvPr>
         </p:nvSpPr>
-        <p:spPr/>
+        <p:spPr>
+          <a:xfrm>
+            <a:off x="34925" y="188913"/>
+            <a:ext cx="8229600" cy="571500"/>
+          </a:xfrm>
+        </p:spPr>
         <p:txBody>
           <a:bodyPr>
             <a:normAutofit fontScale="90000"/>
           </a:bodyPr>
           <a:lstStyle/>
           <a:p>
-            <a:endParaRPr lang="zh-CN" altLang="en-US"/>
+            <a:pPr eaLnBrk="1" hangingPunct="1">
+              <a:defRPr/>
+            </a:pPr>
+            <a:r>
+              <a:rPr lang="en-US" altLang="zh-CN" dirty="0" smtClean="0"/>
+              <a:t>HTTP</a:t>
+            </a:r>
+            <a:r>
+              <a:rPr lang="zh-CN" altLang="en-US" dirty="0" smtClean="0"/>
+              <a:t>协议的结构</a:t>
+            </a:r>
+            <a:endParaRPr lang="zh-CN" altLang="en-US" dirty="0"/>
           </a:p>
         </p:txBody>
       </p:sp>
-      <p:sp>
-        <p:nvSpPr>
-          <p:cNvPr id="3" name="内容占位符 2"/>
-          <p:cNvSpPr>
-            <a:spLocks noGrp="1"/>
-          </p:cNvSpPr>
-          <p:nvPr>
-            <p:ph idx="1"/>
-          </p:nvPr>
-        </p:nvSpPr>
-        <p:spPr/>
-        <p:txBody>
-          <a:bodyPr/>
-          <a:lstStyle/>
-          <a:p>
-            <a:endParaRPr lang="zh-CN" altLang="en-US"/>
-          </a:p>
-        </p:txBody>
-      </p:sp>
+      <p:pic>
+        <p:nvPicPr>
+          <p:cNvPr id="7172" name="Picture 3"/>
+          <p:cNvPicPr>
+            <a:picLocks noChangeAspect="1" noChangeArrowheads="1"/>
+          </p:cNvPicPr>
+          <p:nvPr/>
+        </p:nvPicPr>
+        <p:blipFill>
+          <a:blip r:embed="rId2">
+            <a:extLst>
+              <a:ext uri="{28A0092B-C50C-407E-A947-70E740481C1C}">
+                <a14:useLocalDpi xmlns:a14="http://schemas.microsoft.com/office/drawing/2010/main" val="0"/>
+              </a:ext>
+            </a:extLst>
+          </a:blip>
+          <a:srcRect/>
+          <a:stretch>
+            <a:fillRect/>
+          </a:stretch>
+        </p:blipFill>
+        <p:spPr bwMode="auto">
+          <a:xfrm>
+            <a:off x="609600" y="2895600"/>
+            <a:ext cx="3282950" cy="1752600"/>
+          </a:xfrm>
+          <a:prstGeom prst="rect">
+            <a:avLst/>
+          </a:prstGeom>
+          <a:noFill/>
+          <a:ln>
+            <a:noFill/>
+          </a:ln>
+          <a:extLst>
+            <a:ext uri="{909E8E84-426E-40DD-AFC4-6F175D3DCCD1}">
+              <a14:hiddenFill xmlns:a14="http://schemas.microsoft.com/office/drawing/2010/main">
+                <a:solidFill>
+                  <a:srgbClr val="FFFFFF"/>
+                </a:solidFill>
+              </a14:hiddenFill>
+            </a:ext>
+            <a:ext uri="{91240B29-F687-4F45-9708-019B960494DF}">
+              <a14:hiddenLine xmlns:a14="http://schemas.microsoft.com/office/drawing/2010/main" w="9525" algn="ctr">
+                <a:solidFill>
+                  <a:srgbClr val="000000"/>
+                </a:solidFill>
+                <a:miter lim="800000"/>
+                <a:headEnd/>
+                <a:tailEnd/>
+              </a14:hiddenLine>
+            </a:ext>
+          </a:extLst>
+        </p:spPr>
+      </p:pic>
     </p:spTree>
     <p:extLst>
       <p:ext uri="{BB962C8B-B14F-4D97-AF65-F5344CB8AC3E}">
-        <p14:creationId xmlns:p14="http://schemas.microsoft.com/office/powerpoint/2010/main" val="3288246481"/>
+        <p14:creationId xmlns:p14="http://schemas.microsoft.com/office/powerpoint/2010/main" val="29071400"/>
       </p:ext>
     </p:extLst>
   </p:cSld>
   <p:clrMapOvr>
     <a:masterClrMapping/>
   </p:clrMapOvr>
+  <p:timing>
+    <p:tnLst>
+      <p:par>
+        <p:cTn id="1" dur="indefinite" restart="never" nodeType="tmRoot"/>
+      </p:par>
+    </p:tnLst>
+  </p:timing>
 </p:sld>
 </file>
 
@@ -39846,10 +40891,1337 @@
           <a:chExt cx="0" cy="0"/>
         </a:xfrm>
       </p:grpSpPr>
+      <p:sp>
+        <p:nvSpPr>
+          <p:cNvPr id="8194" name="内容占位符 1"/>
+          <p:cNvSpPr>
+            <a:spLocks noGrp="1"/>
+          </p:cNvSpPr>
+          <p:nvPr>
+            <p:ph idx="1"/>
+          </p:nvPr>
+        </p:nvSpPr>
+        <p:spPr>
+          <a:xfrm>
+            <a:off x="428625" y="1143000"/>
+            <a:ext cx="8429625" cy="4525963"/>
+          </a:xfrm>
+        </p:spPr>
+        <p:txBody>
+          <a:bodyPr/>
+          <a:lstStyle/>
+          <a:p>
+            <a:pPr eaLnBrk="1" hangingPunct="1"/>
+            <a:endParaRPr lang="zh-CN" altLang="en-US" smtClean="0"/>
+          </a:p>
+        </p:txBody>
+      </p:sp>
+      <p:sp>
+        <p:nvSpPr>
+          <p:cNvPr id="3" name="标题 2"/>
+          <p:cNvSpPr>
+            <a:spLocks noGrp="1"/>
+          </p:cNvSpPr>
+          <p:nvPr>
+            <p:ph type="title"/>
+          </p:nvPr>
+        </p:nvSpPr>
+        <p:spPr>
+          <a:xfrm>
+            <a:off x="34925" y="188913"/>
+            <a:ext cx="8229600" cy="571500"/>
+          </a:xfrm>
+        </p:spPr>
+        <p:txBody>
+          <a:bodyPr>
+            <a:normAutofit fontScale="90000"/>
+          </a:bodyPr>
+          <a:lstStyle/>
+          <a:p>
+            <a:pPr eaLnBrk="1" hangingPunct="1">
+              <a:defRPr/>
+            </a:pPr>
+            <a:r>
+              <a:rPr lang="en-US" altLang="zh-CN" dirty="0" smtClean="0"/>
+              <a:t>Web</a:t>
+            </a:r>
+            <a:r>
+              <a:rPr lang="zh-CN" altLang="en-US" dirty="0" smtClean="0"/>
+              <a:t>和</a:t>
+            </a:r>
+            <a:r>
+              <a:rPr lang="en-US" altLang="zh-CN" dirty="0" smtClean="0"/>
+              <a:t>HTTP</a:t>
+            </a:r>
+            <a:r>
+              <a:rPr lang="zh-CN" altLang="en-US" dirty="0" smtClean="0"/>
+              <a:t>协议</a:t>
+            </a:r>
+            <a:endParaRPr lang="zh-CN" altLang="en-US" dirty="0"/>
+          </a:p>
+        </p:txBody>
+      </p:sp>
+      <p:pic>
+        <p:nvPicPr>
+          <p:cNvPr id="8196" name="Picture 2"/>
+          <p:cNvPicPr>
+            <a:picLocks noChangeAspect="1" noChangeArrowheads="1"/>
+          </p:cNvPicPr>
+          <p:nvPr/>
+        </p:nvPicPr>
+        <p:blipFill>
+          <a:blip r:embed="rId2">
+            <a:extLst>
+              <a:ext uri="{28A0092B-C50C-407E-A947-70E740481C1C}">
+                <a14:useLocalDpi xmlns:a14="http://schemas.microsoft.com/office/drawing/2010/main" val="0"/>
+              </a:ext>
+            </a:extLst>
+          </a:blip>
+          <a:srcRect/>
+          <a:stretch>
+            <a:fillRect/>
+          </a:stretch>
+        </p:blipFill>
+        <p:spPr bwMode="auto">
+          <a:xfrm>
+            <a:off x="304800" y="1295400"/>
+            <a:ext cx="8001000" cy="3362325"/>
+          </a:xfrm>
+          <a:prstGeom prst="rect">
+            <a:avLst/>
+          </a:prstGeom>
+          <a:noFill/>
+          <a:ln>
+            <a:noFill/>
+          </a:ln>
+          <a:extLst>
+            <a:ext uri="{909E8E84-426E-40DD-AFC4-6F175D3DCCD1}">
+              <a14:hiddenFill xmlns:a14="http://schemas.microsoft.com/office/drawing/2010/main">
+                <a:solidFill>
+                  <a:srgbClr val="FFFFFF"/>
+                </a:solidFill>
+              </a14:hiddenFill>
+            </a:ext>
+            <a:ext uri="{91240B29-F687-4F45-9708-019B960494DF}">
+              <a14:hiddenLine xmlns:a14="http://schemas.microsoft.com/office/drawing/2010/main" w="9525" algn="ctr">
+                <a:solidFill>
+                  <a:srgbClr val="000000"/>
+                </a:solidFill>
+                <a:miter lim="800000"/>
+                <a:headEnd/>
+                <a:tailEnd/>
+              </a14:hiddenLine>
+            </a:ext>
+          </a:extLst>
+        </p:spPr>
+      </p:pic>
     </p:spTree>
     <p:extLst>
       <p:ext uri="{BB962C8B-B14F-4D97-AF65-F5344CB8AC3E}">
-        <p14:creationId xmlns:p14="http://schemas.microsoft.com/office/powerpoint/2010/main" val="3418871224"/>
+        <p14:creationId xmlns:p14="http://schemas.microsoft.com/office/powerpoint/2010/main" val="3476103435"/>
+      </p:ext>
+    </p:extLst>
+  </p:cSld>
+  <p:clrMapOvr>
+    <a:masterClrMapping/>
+  </p:clrMapOvr>
+  <p:timing>
+    <p:tnLst>
+      <p:par>
+        <p:cTn id="1" dur="indefinite" restart="never" nodeType="tmRoot"/>
+      </p:par>
+    </p:tnLst>
+  </p:timing>
+</p:sld>
+</file>
+
+<file path=ppt/slides/slide4.xml><?xml version="1.0" encoding="utf-8"?>
+<p:sld xmlns:a="http://schemas.openxmlformats.org/drawingml/2006/main" xmlns:r="http://schemas.openxmlformats.org/officeDocument/2006/relationships" xmlns:p="http://schemas.openxmlformats.org/presentationml/2006/main">
+  <p:cSld>
+    <p:spTree>
+      <p:nvGrpSpPr>
+        <p:cNvPr id="1" name=""/>
+        <p:cNvGrpSpPr/>
+        <p:nvPr/>
+      </p:nvGrpSpPr>
+      <p:grpSpPr>
+        <a:xfrm>
+          <a:off x="0" y="0"/>
+          <a:ext cx="0" cy="0"/>
+          <a:chOff x="0" y="0"/>
+          <a:chExt cx="0" cy="0"/>
+        </a:xfrm>
+      </p:grpSpPr>
+      <p:sp>
+        <p:nvSpPr>
+          <p:cNvPr id="9218" name="内容占位符 1"/>
+          <p:cNvSpPr>
+            <a:spLocks noGrp="1"/>
+          </p:cNvSpPr>
+          <p:nvPr>
+            <p:ph idx="1"/>
+          </p:nvPr>
+        </p:nvSpPr>
+        <p:spPr>
+          <a:xfrm>
+            <a:off x="428625" y="1143000"/>
+            <a:ext cx="8429625" cy="4525963"/>
+          </a:xfrm>
+        </p:spPr>
+        <p:txBody>
+          <a:bodyPr/>
+          <a:lstStyle/>
+          <a:p>
+            <a:pPr eaLnBrk="1" hangingPunct="1"/>
+            <a:r>
+              <a:rPr lang="zh-CN" altLang="en-US" sz="2800" dirty="0" smtClean="0"/>
+              <a:t>请求行</a:t>
+            </a:r>
+            <a:r>
+              <a:rPr lang="en-US" altLang="zh-CN" sz="2800" dirty="0" smtClean="0"/>
+              <a:t>(</a:t>
+            </a:r>
+            <a:r>
+              <a:rPr lang="zh-CN" altLang="en-US" sz="2800" dirty="0" smtClean="0"/>
+              <a:t>请求</a:t>
+            </a:r>
+            <a:r>
+              <a:rPr lang="en-US" altLang="zh-CN" sz="2800" dirty="0" smtClean="0"/>
+              <a:t>)</a:t>
+            </a:r>
+            <a:r>
+              <a:rPr lang="zh-CN" altLang="en-US" sz="2800" dirty="0" smtClean="0"/>
+              <a:t> </a:t>
+            </a:r>
+            <a:endParaRPr lang="en-US" altLang="zh-CN" sz="2800" dirty="0" smtClean="0"/>
+          </a:p>
+          <a:p>
+            <a:pPr eaLnBrk="1" hangingPunct="1">
+              <a:buFont typeface="微软雅黑" pitchFamily="34" charset="-122"/>
+              <a:buNone/>
+            </a:pPr>
+            <a:r>
+              <a:rPr lang="en-US" altLang="zh-CN" sz="2800" dirty="0" smtClean="0"/>
+              <a:t>   </a:t>
+            </a:r>
+            <a:r>
+              <a:rPr lang="zh-CN" altLang="en-US" sz="2800" dirty="0" smtClean="0"/>
+              <a:t>格式：</a:t>
+            </a:r>
+            <a:endParaRPr lang="en-US" altLang="zh-CN" sz="2800" dirty="0" smtClean="0"/>
+          </a:p>
+          <a:p>
+            <a:pPr eaLnBrk="1" hangingPunct="1">
+              <a:buFont typeface="微软雅黑" pitchFamily="34" charset="-122"/>
+              <a:buNone/>
+            </a:pPr>
+            <a:r>
+              <a:rPr lang="en-US" altLang="zh-CN" sz="2000" dirty="0" smtClean="0"/>
+              <a:t>         </a:t>
+            </a:r>
+            <a:r>
+              <a:rPr lang="zh-CN" altLang="en-US" sz="2000" dirty="0" smtClean="0"/>
+              <a:t>请求方法名字</a:t>
+            </a:r>
+            <a:r>
+              <a:rPr lang="en-US" altLang="zh-CN" sz="2000" dirty="0" smtClean="0"/>
+              <a:t> </a:t>
+            </a:r>
+            <a:r>
+              <a:rPr lang="zh-CN" altLang="en-US" sz="2000" dirty="0" smtClean="0"/>
+              <a:t>请求</a:t>
+            </a:r>
+            <a:r>
+              <a:rPr lang="en-US" altLang="zh-CN" sz="2000" dirty="0" smtClean="0"/>
+              <a:t>URI HTTP</a:t>
+            </a:r>
+            <a:r>
+              <a:rPr lang="zh-CN" altLang="en-US" sz="2000" dirty="0" smtClean="0"/>
+              <a:t>版本号</a:t>
+            </a:r>
+            <a:endParaRPr lang="en-US" altLang="zh-CN" sz="2800" dirty="0" smtClean="0"/>
+          </a:p>
+          <a:p>
+            <a:pPr lvl="1" eaLnBrk="1" hangingPunct="1">
+              <a:buFont typeface="Arial" charset="0"/>
+              <a:buNone/>
+            </a:pPr>
+            <a:r>
+              <a:rPr lang="zh-CN" altLang="en-US" sz="2400" dirty="0" smtClean="0"/>
+              <a:t>示例</a:t>
+            </a:r>
+            <a:r>
+              <a:rPr lang="zh-CN" altLang="en-US" sz="2400" dirty="0" smtClean="0"/>
+              <a:t>： </a:t>
+            </a:r>
+            <a:r>
+              <a:rPr lang="en-US" altLang="zh-CN" sz="2400" dirty="0" smtClean="0"/>
+              <a:t>http://www.domain.com/docs/index.html</a:t>
+            </a:r>
+            <a:endParaRPr lang="en-US" altLang="zh-CN" sz="2400" dirty="0" smtClean="0"/>
+          </a:p>
+          <a:p>
+            <a:pPr lvl="1" eaLnBrk="1" hangingPunct="1">
+              <a:buFont typeface="Arial" charset="0"/>
+              <a:buNone/>
+            </a:pPr>
+            <a:r>
+              <a:rPr lang="en-US" altLang="zh-CN" sz="2000" dirty="0" smtClean="0"/>
+              <a:t>   GET /docs/index.html HTTP/1.1</a:t>
+            </a:r>
+          </a:p>
+          <a:p>
+            <a:pPr eaLnBrk="1" hangingPunct="1"/>
+            <a:r>
+              <a:rPr lang="zh-CN" altLang="en-US" sz="2800" dirty="0" smtClean="0"/>
+              <a:t>状态行</a:t>
+            </a:r>
+            <a:r>
+              <a:rPr lang="en-US" altLang="zh-CN" sz="2800" dirty="0" smtClean="0"/>
+              <a:t>(</a:t>
+            </a:r>
+            <a:r>
+              <a:rPr lang="zh-CN" altLang="en-US" sz="2800" dirty="0" smtClean="0"/>
+              <a:t>响应行</a:t>
+            </a:r>
+            <a:r>
+              <a:rPr lang="en-US" altLang="zh-CN" sz="2800" dirty="0" smtClean="0"/>
+              <a:t>)</a:t>
+            </a:r>
+          </a:p>
+          <a:p>
+            <a:pPr eaLnBrk="1" hangingPunct="1">
+              <a:buFont typeface="微软雅黑" pitchFamily="34" charset="-122"/>
+              <a:buNone/>
+            </a:pPr>
+            <a:r>
+              <a:rPr lang="zh-CN" altLang="en-US" sz="2800" dirty="0" smtClean="0"/>
+              <a:t>    格式：</a:t>
+            </a:r>
+            <a:endParaRPr lang="en-US" altLang="zh-CN" sz="2800" dirty="0" smtClean="0"/>
+          </a:p>
+          <a:p>
+            <a:pPr eaLnBrk="1" hangingPunct="1">
+              <a:buFont typeface="微软雅黑" pitchFamily="34" charset="-122"/>
+              <a:buNone/>
+            </a:pPr>
+            <a:r>
+              <a:rPr lang="en-US" altLang="zh-CN" sz="2000" dirty="0" smtClean="0"/>
+              <a:t>         HTTP</a:t>
+            </a:r>
+            <a:r>
+              <a:rPr lang="zh-CN" altLang="en-US" sz="2000" dirty="0" smtClean="0"/>
+              <a:t>版本号 状态码 阶段</a:t>
+            </a:r>
+            <a:endParaRPr lang="en-US" altLang="zh-CN" sz="2000" dirty="0" smtClean="0"/>
+          </a:p>
+          <a:p>
+            <a:pPr eaLnBrk="1" hangingPunct="1">
+              <a:buFont typeface="微软雅黑" pitchFamily="34" charset="-122"/>
+              <a:buNone/>
+            </a:pPr>
+            <a:r>
+              <a:rPr lang="en-US" altLang="zh-CN" sz="2800" dirty="0" smtClean="0"/>
+              <a:t>     </a:t>
+            </a:r>
+            <a:r>
+              <a:rPr lang="zh-CN" altLang="en-US" sz="2800" dirty="0" smtClean="0"/>
+              <a:t>示例：</a:t>
+            </a:r>
+            <a:endParaRPr lang="en-US" altLang="zh-CN" sz="2800" dirty="0" smtClean="0"/>
+          </a:p>
+          <a:p>
+            <a:pPr eaLnBrk="1" hangingPunct="1">
+              <a:buFont typeface="微软雅黑" pitchFamily="34" charset="-122"/>
+              <a:buNone/>
+            </a:pPr>
+            <a:r>
+              <a:rPr lang="en-US" altLang="zh-CN" sz="2000" dirty="0" smtClean="0"/>
+              <a:t>          HTTP/1.1 200 OK</a:t>
+            </a:r>
+            <a:endParaRPr lang="zh-CN" altLang="en-US" sz="2000" dirty="0" smtClean="0"/>
+          </a:p>
+        </p:txBody>
+      </p:sp>
+      <p:sp>
+        <p:nvSpPr>
+          <p:cNvPr id="3" name="标题 2"/>
+          <p:cNvSpPr>
+            <a:spLocks noGrp="1"/>
+          </p:cNvSpPr>
+          <p:nvPr>
+            <p:ph type="title"/>
+          </p:nvPr>
+        </p:nvSpPr>
+        <p:spPr>
+          <a:xfrm>
+            <a:off x="34925" y="188913"/>
+            <a:ext cx="8229600" cy="571500"/>
+          </a:xfrm>
+        </p:spPr>
+        <p:txBody>
+          <a:bodyPr>
+            <a:normAutofit fontScale="90000"/>
+          </a:bodyPr>
+          <a:lstStyle/>
+          <a:p>
+            <a:pPr eaLnBrk="1" hangingPunct="1">
+              <a:defRPr/>
+            </a:pPr>
+            <a:r>
+              <a:rPr lang="en-US" altLang="zh-CN" dirty="0" smtClean="0"/>
+              <a:t>Start-line</a:t>
+            </a:r>
+            <a:endParaRPr lang="zh-CN" altLang="en-US" dirty="0"/>
+          </a:p>
+        </p:txBody>
+      </p:sp>
+    </p:spTree>
+    <p:extLst>
+      <p:ext uri="{BB962C8B-B14F-4D97-AF65-F5344CB8AC3E}">
+        <p14:creationId xmlns:p14="http://schemas.microsoft.com/office/powerpoint/2010/main" val="4003912815"/>
+      </p:ext>
+    </p:extLst>
+  </p:cSld>
+  <p:clrMapOvr>
+    <a:masterClrMapping/>
+  </p:clrMapOvr>
+  <p:timing>
+    <p:tnLst>
+      <p:par>
+        <p:cTn id="1" dur="indefinite" restart="never" nodeType="tmRoot"/>
+      </p:par>
+    </p:tnLst>
+  </p:timing>
+</p:sld>
+</file>
+
+<file path=ppt/slides/slide5.xml><?xml version="1.0" encoding="utf-8"?>
+<p:sld xmlns:a="http://schemas.openxmlformats.org/drawingml/2006/main" xmlns:r="http://schemas.openxmlformats.org/officeDocument/2006/relationships" xmlns:p="http://schemas.openxmlformats.org/presentationml/2006/main">
+  <p:cSld>
+    <p:spTree>
+      <p:nvGrpSpPr>
+        <p:cNvPr id="1" name=""/>
+        <p:cNvGrpSpPr/>
+        <p:nvPr/>
+      </p:nvGrpSpPr>
+      <p:grpSpPr>
+        <a:xfrm>
+          <a:off x="0" y="0"/>
+          <a:ext cx="0" cy="0"/>
+          <a:chOff x="0" y="0"/>
+          <a:chExt cx="0" cy="0"/>
+        </a:xfrm>
+      </p:grpSpPr>
+      <p:sp>
+        <p:nvSpPr>
+          <p:cNvPr id="10242" name="内容占位符 1"/>
+          <p:cNvSpPr>
+            <a:spLocks noGrp="1"/>
+          </p:cNvSpPr>
+          <p:nvPr>
+            <p:ph idx="1"/>
+          </p:nvPr>
+        </p:nvSpPr>
+        <p:spPr>
+          <a:xfrm>
+            <a:off x="428625" y="1143000"/>
+            <a:ext cx="8429625" cy="4525963"/>
+          </a:xfrm>
+        </p:spPr>
+        <p:txBody>
+          <a:bodyPr/>
+          <a:lstStyle/>
+          <a:p>
+            <a:pPr eaLnBrk="1" hangingPunct="1"/>
+            <a:r>
+              <a:rPr lang="zh-CN" altLang="en-US" smtClean="0"/>
+              <a:t>格式</a:t>
+            </a:r>
+            <a:endParaRPr lang="en-US" altLang="zh-CN" smtClean="0"/>
+          </a:p>
+          <a:p>
+            <a:pPr eaLnBrk="1" hangingPunct="1">
+              <a:buFont typeface="微软雅黑" pitchFamily="34" charset="-122"/>
+              <a:buNone/>
+            </a:pPr>
+            <a:r>
+              <a:rPr lang="en-US" altLang="zh-CN" sz="2400" smtClean="0"/>
+              <a:t>       </a:t>
+            </a:r>
+            <a:r>
+              <a:rPr lang="zh-CN" altLang="en-US" sz="2400" smtClean="0"/>
+              <a:t>请求头名字</a:t>
+            </a:r>
+            <a:r>
+              <a:rPr lang="en-US" altLang="zh-CN" sz="2400" smtClean="0"/>
+              <a:t>: </a:t>
+            </a:r>
+            <a:r>
+              <a:rPr lang="zh-CN" altLang="en-US" sz="2400" smtClean="0"/>
+              <a:t>值</a:t>
+            </a:r>
+            <a:r>
+              <a:rPr lang="en-US" altLang="zh-CN" sz="2400" smtClean="0"/>
+              <a:t>1, </a:t>
+            </a:r>
+            <a:r>
+              <a:rPr lang="zh-CN" altLang="en-US" sz="2400" smtClean="0"/>
+              <a:t>值</a:t>
+            </a:r>
+            <a:r>
+              <a:rPr lang="en-US" altLang="zh-CN" sz="2400" smtClean="0"/>
+              <a:t>2, ...</a:t>
+            </a:r>
+            <a:endParaRPr lang="en-US" altLang="zh-CN" smtClean="0"/>
+          </a:p>
+          <a:p>
+            <a:pPr eaLnBrk="1" hangingPunct="1"/>
+            <a:r>
+              <a:rPr lang="zh-CN" altLang="en-US" smtClean="0"/>
+              <a:t>请求头</a:t>
+            </a:r>
+            <a:endParaRPr lang="en-US" altLang="zh-CN" smtClean="0"/>
+          </a:p>
+          <a:p>
+            <a:pPr eaLnBrk="1" hangingPunct="1"/>
+            <a:r>
+              <a:rPr lang="zh-CN" altLang="en-US" smtClean="0"/>
+              <a:t>响应头</a:t>
+            </a:r>
+          </a:p>
+        </p:txBody>
+      </p:sp>
+      <p:sp>
+        <p:nvSpPr>
+          <p:cNvPr id="3" name="标题 2"/>
+          <p:cNvSpPr>
+            <a:spLocks noGrp="1"/>
+          </p:cNvSpPr>
+          <p:nvPr>
+            <p:ph type="title"/>
+          </p:nvPr>
+        </p:nvSpPr>
+        <p:spPr>
+          <a:xfrm>
+            <a:off x="34925" y="188913"/>
+            <a:ext cx="8229600" cy="571500"/>
+          </a:xfrm>
+        </p:spPr>
+        <p:txBody>
+          <a:bodyPr>
+            <a:normAutofit fontScale="90000"/>
+          </a:bodyPr>
+          <a:lstStyle/>
+          <a:p>
+            <a:pPr eaLnBrk="1" hangingPunct="1">
+              <a:defRPr/>
+            </a:pPr>
+            <a:r>
+              <a:rPr lang="zh-CN" altLang="en-US" dirty="0" smtClean="0"/>
+              <a:t>消息头</a:t>
+            </a:r>
+            <a:endParaRPr lang="zh-CN" altLang="en-US" dirty="0"/>
+          </a:p>
+        </p:txBody>
+      </p:sp>
+      <p:pic>
+        <p:nvPicPr>
+          <p:cNvPr id="10244" name="Picture 3"/>
+          <p:cNvPicPr>
+            <a:picLocks noChangeAspect="1" noChangeArrowheads="1"/>
+          </p:cNvPicPr>
+          <p:nvPr/>
+        </p:nvPicPr>
+        <p:blipFill>
+          <a:blip r:embed="rId3">
+            <a:extLst>
+              <a:ext uri="{28A0092B-C50C-407E-A947-70E740481C1C}">
+                <a14:useLocalDpi xmlns:a14="http://schemas.microsoft.com/office/drawing/2010/main" val="0"/>
+              </a:ext>
+            </a:extLst>
+          </a:blip>
+          <a:srcRect/>
+          <a:stretch>
+            <a:fillRect/>
+          </a:stretch>
+        </p:blipFill>
+        <p:spPr bwMode="auto">
+          <a:xfrm>
+            <a:off x="2590800" y="2514600"/>
+            <a:ext cx="5305425" cy="1495425"/>
+          </a:xfrm>
+          <a:prstGeom prst="rect">
+            <a:avLst/>
+          </a:prstGeom>
+          <a:noFill/>
+          <a:ln>
+            <a:noFill/>
+          </a:ln>
+          <a:extLst>
+            <a:ext uri="{909E8E84-426E-40DD-AFC4-6F175D3DCCD1}">
+              <a14:hiddenFill xmlns:a14="http://schemas.microsoft.com/office/drawing/2010/main">
+                <a:solidFill>
+                  <a:srgbClr val="FFFFFF"/>
+                </a:solidFill>
+              </a14:hiddenFill>
+            </a:ext>
+            <a:ext uri="{91240B29-F687-4F45-9708-019B960494DF}">
+              <a14:hiddenLine xmlns:a14="http://schemas.microsoft.com/office/drawing/2010/main" w="9525" algn="ctr">
+                <a:solidFill>
+                  <a:srgbClr val="000000"/>
+                </a:solidFill>
+                <a:miter lim="800000"/>
+                <a:headEnd/>
+                <a:tailEnd/>
+              </a14:hiddenLine>
+            </a:ext>
+          </a:extLst>
+        </p:spPr>
+      </p:pic>
+      <p:pic>
+        <p:nvPicPr>
+          <p:cNvPr id="10245" name="Picture 4"/>
+          <p:cNvPicPr>
+            <a:picLocks noChangeAspect="1" noChangeArrowheads="1"/>
+          </p:cNvPicPr>
+          <p:nvPr/>
+        </p:nvPicPr>
+        <p:blipFill>
+          <a:blip r:embed="rId4">
+            <a:extLst>
+              <a:ext uri="{28A0092B-C50C-407E-A947-70E740481C1C}">
+                <a14:useLocalDpi xmlns:a14="http://schemas.microsoft.com/office/drawing/2010/main" val="0"/>
+              </a:ext>
+            </a:extLst>
+          </a:blip>
+          <a:srcRect/>
+          <a:stretch>
+            <a:fillRect/>
+          </a:stretch>
+        </p:blipFill>
+        <p:spPr bwMode="auto">
+          <a:xfrm>
+            <a:off x="2667000" y="4419600"/>
+            <a:ext cx="4799013" cy="1524000"/>
+          </a:xfrm>
+          <a:prstGeom prst="rect">
+            <a:avLst/>
+          </a:prstGeom>
+          <a:noFill/>
+          <a:ln>
+            <a:noFill/>
+          </a:ln>
+          <a:extLst>
+            <a:ext uri="{909E8E84-426E-40DD-AFC4-6F175D3DCCD1}">
+              <a14:hiddenFill xmlns:a14="http://schemas.microsoft.com/office/drawing/2010/main">
+                <a:solidFill>
+                  <a:srgbClr val="FFFFFF"/>
+                </a:solidFill>
+              </a14:hiddenFill>
+            </a:ext>
+            <a:ext uri="{91240B29-F687-4F45-9708-019B960494DF}">
+              <a14:hiddenLine xmlns:a14="http://schemas.microsoft.com/office/drawing/2010/main" w="9525" algn="ctr">
+                <a:solidFill>
+                  <a:srgbClr val="000000"/>
+                </a:solidFill>
+                <a:miter lim="800000"/>
+                <a:headEnd/>
+                <a:tailEnd/>
+              </a14:hiddenLine>
+            </a:ext>
+          </a:extLst>
+        </p:spPr>
+      </p:pic>
+    </p:spTree>
+    <p:extLst>
+      <p:ext uri="{BB962C8B-B14F-4D97-AF65-F5344CB8AC3E}">
+        <p14:creationId xmlns:p14="http://schemas.microsoft.com/office/powerpoint/2010/main" val="238847843"/>
+      </p:ext>
+    </p:extLst>
+  </p:cSld>
+  <p:clrMapOvr>
+    <a:masterClrMapping/>
+  </p:clrMapOvr>
+  <p:timing>
+    <p:tnLst>
+      <p:par>
+        <p:cTn id="1" dur="indefinite" restart="never" nodeType="tmRoot"/>
+      </p:par>
+    </p:tnLst>
+  </p:timing>
+</p:sld>
+</file>
+
+<file path=ppt/slides/slide6.xml><?xml version="1.0" encoding="utf-8"?>
+<p:sld xmlns:a="http://schemas.openxmlformats.org/drawingml/2006/main" xmlns:r="http://schemas.openxmlformats.org/officeDocument/2006/relationships" xmlns:p="http://schemas.openxmlformats.org/presentationml/2006/main">
+  <p:cSld>
+    <p:spTree>
+      <p:nvGrpSpPr>
+        <p:cNvPr id="1" name=""/>
+        <p:cNvGrpSpPr/>
+        <p:nvPr/>
+      </p:nvGrpSpPr>
+      <p:grpSpPr>
+        <a:xfrm>
+          <a:off x="0" y="0"/>
+          <a:ext cx="0" cy="0"/>
+          <a:chOff x="0" y="0"/>
+          <a:chExt cx="0" cy="0"/>
+        </a:xfrm>
+      </p:grpSpPr>
+      <p:sp>
+        <p:nvSpPr>
+          <p:cNvPr id="11266" name="内容占位符 1"/>
+          <p:cNvSpPr>
+            <a:spLocks noGrp="1"/>
+          </p:cNvSpPr>
+          <p:nvPr>
+            <p:ph idx="1"/>
+          </p:nvPr>
+        </p:nvSpPr>
+        <p:spPr>
+          <a:xfrm>
+            <a:off x="428625" y="1143000"/>
+            <a:ext cx="8429625" cy="4525963"/>
+          </a:xfrm>
+        </p:spPr>
+        <p:txBody>
+          <a:bodyPr/>
+          <a:lstStyle/>
+          <a:p>
+            <a:pPr eaLnBrk="1" hangingPunct="1"/>
+            <a:r>
+              <a:rPr lang="zh-CN" altLang="en-US" smtClean="0"/>
+              <a:t>格式</a:t>
+            </a:r>
+            <a:endParaRPr lang="en-US" altLang="zh-CN" smtClean="0"/>
+          </a:p>
+          <a:p>
+            <a:pPr eaLnBrk="1" hangingPunct="1">
+              <a:buFont typeface="微软雅黑" pitchFamily="34" charset="-122"/>
+              <a:buNone/>
+            </a:pPr>
+            <a:r>
+              <a:rPr lang="en-US" altLang="zh-CN" sz="2000" smtClean="0"/>
+              <a:t>entity-body | &lt;entity-body encoded as per Transfer-Encoding&gt;</a:t>
+            </a:r>
+          </a:p>
+          <a:p>
+            <a:pPr eaLnBrk="1" hangingPunct="1"/>
+            <a:r>
+              <a:rPr lang="zh-CN" altLang="en-US" smtClean="0"/>
+              <a:t>示例</a:t>
+            </a:r>
+            <a:endParaRPr lang="en-US" altLang="zh-CN" smtClean="0"/>
+          </a:p>
+          <a:p>
+            <a:pPr eaLnBrk="1" hangingPunct="1">
+              <a:buFont typeface="微软雅黑" pitchFamily="34" charset="-122"/>
+              <a:buNone/>
+            </a:pPr>
+            <a:r>
+              <a:rPr lang="en-US" altLang="zh-CN" smtClean="0"/>
+              <a:t>   </a:t>
+            </a:r>
+            <a:endParaRPr lang="zh-CN" altLang="en-US" smtClean="0"/>
+          </a:p>
+        </p:txBody>
+      </p:sp>
+      <p:sp>
+        <p:nvSpPr>
+          <p:cNvPr id="3" name="标题 2"/>
+          <p:cNvSpPr>
+            <a:spLocks noGrp="1"/>
+          </p:cNvSpPr>
+          <p:nvPr>
+            <p:ph type="title"/>
+          </p:nvPr>
+        </p:nvSpPr>
+        <p:spPr>
+          <a:xfrm>
+            <a:off x="34925" y="188913"/>
+            <a:ext cx="8229600" cy="571500"/>
+          </a:xfrm>
+        </p:spPr>
+        <p:txBody>
+          <a:bodyPr>
+            <a:normAutofit fontScale="90000"/>
+          </a:bodyPr>
+          <a:lstStyle/>
+          <a:p>
+            <a:pPr eaLnBrk="1" hangingPunct="1">
+              <a:defRPr/>
+            </a:pPr>
+            <a:r>
+              <a:rPr lang="zh-CN" altLang="en-US" dirty="0" smtClean="0"/>
+              <a:t>消息体</a:t>
+            </a:r>
+            <a:endParaRPr lang="zh-CN" altLang="en-US" dirty="0"/>
+          </a:p>
+        </p:txBody>
+      </p:sp>
+      <p:sp>
+        <p:nvSpPr>
+          <p:cNvPr id="11268" name="AutoShape 2" descr="http response"/>
+          <p:cNvSpPr>
+            <a:spLocks noChangeAspect="1" noChangeArrowheads="1"/>
+          </p:cNvSpPr>
+          <p:nvPr/>
+        </p:nvSpPr>
+        <p:spPr bwMode="auto">
+          <a:xfrm>
+            <a:off x="69850" y="-152400"/>
+            <a:ext cx="304800" cy="304800"/>
+          </a:xfrm>
+          <a:prstGeom prst="rect">
+            <a:avLst/>
+          </a:prstGeom>
+          <a:noFill/>
+          <a:ln>
+            <a:noFill/>
+          </a:ln>
+          <a:extLst>
+            <a:ext uri="{909E8E84-426E-40DD-AFC4-6F175D3DCCD1}">
+              <a14:hiddenFill xmlns:a14="http://schemas.microsoft.com/office/drawing/2010/main">
+                <a:solidFill>
+                  <a:srgbClr val="FFFFFF"/>
+                </a:solidFill>
+              </a14:hiddenFill>
+            </a:ext>
+            <a:ext uri="{91240B29-F687-4F45-9708-019B960494DF}">
+              <a14:hiddenLine xmlns:a14="http://schemas.microsoft.com/office/drawing/2010/main" w="9525">
+                <a:solidFill>
+                  <a:srgbClr val="000000"/>
+                </a:solidFill>
+                <a:miter lim="800000"/>
+                <a:headEnd/>
+                <a:tailEnd/>
+              </a14:hiddenLine>
+            </a:ext>
+          </a:extLst>
+        </p:spPr>
+        <p:txBody>
+          <a:bodyPr/>
+          <a:lstStyle/>
+          <a:p>
+            <a:endParaRPr lang="zh-CN" altLang="en-US"/>
+          </a:p>
+        </p:txBody>
+      </p:sp>
+      <p:pic>
+        <p:nvPicPr>
+          <p:cNvPr id="11269" name="Picture 4"/>
+          <p:cNvPicPr>
+            <a:picLocks noChangeAspect="1" noChangeArrowheads="1"/>
+          </p:cNvPicPr>
+          <p:nvPr/>
+        </p:nvPicPr>
+        <p:blipFill>
+          <a:blip r:embed="rId2">
+            <a:extLst>
+              <a:ext uri="{28A0092B-C50C-407E-A947-70E740481C1C}">
+                <a14:useLocalDpi xmlns:a14="http://schemas.microsoft.com/office/drawing/2010/main" val="0"/>
+              </a:ext>
+            </a:extLst>
+          </a:blip>
+          <a:srcRect/>
+          <a:stretch>
+            <a:fillRect/>
+          </a:stretch>
+        </p:blipFill>
+        <p:spPr bwMode="auto">
+          <a:xfrm>
+            <a:off x="2438400" y="2438400"/>
+            <a:ext cx="5181600" cy="2790825"/>
+          </a:xfrm>
+          <a:prstGeom prst="rect">
+            <a:avLst/>
+          </a:prstGeom>
+          <a:noFill/>
+          <a:ln>
+            <a:noFill/>
+          </a:ln>
+          <a:extLst>
+            <a:ext uri="{909E8E84-426E-40DD-AFC4-6F175D3DCCD1}">
+              <a14:hiddenFill xmlns:a14="http://schemas.microsoft.com/office/drawing/2010/main">
+                <a:solidFill>
+                  <a:srgbClr val="FFFFFF"/>
+                </a:solidFill>
+              </a14:hiddenFill>
+            </a:ext>
+            <a:ext uri="{91240B29-F687-4F45-9708-019B960494DF}">
+              <a14:hiddenLine xmlns:a14="http://schemas.microsoft.com/office/drawing/2010/main" w="9525" algn="ctr">
+                <a:solidFill>
+                  <a:srgbClr val="000000"/>
+                </a:solidFill>
+                <a:miter lim="800000"/>
+                <a:headEnd/>
+                <a:tailEnd/>
+              </a14:hiddenLine>
+            </a:ext>
+          </a:extLst>
+        </p:spPr>
+      </p:pic>
+    </p:spTree>
+    <p:extLst>
+      <p:ext uri="{BB962C8B-B14F-4D97-AF65-F5344CB8AC3E}">
+        <p14:creationId xmlns:p14="http://schemas.microsoft.com/office/powerpoint/2010/main" val="794190029"/>
+      </p:ext>
+    </p:extLst>
+  </p:cSld>
+  <p:clrMapOvr>
+    <a:masterClrMapping/>
+  </p:clrMapOvr>
+  <p:timing>
+    <p:tnLst>
+      <p:par>
+        <p:cTn id="1" dur="indefinite" restart="never" nodeType="tmRoot"/>
+      </p:par>
+    </p:tnLst>
+  </p:timing>
+</p:sld>
+</file>
+
+<file path=ppt/slides/slide7.xml><?xml version="1.0" encoding="utf-8"?>
+<p:sld xmlns:a="http://schemas.openxmlformats.org/drawingml/2006/main" xmlns:r="http://schemas.openxmlformats.org/officeDocument/2006/relationships" xmlns:p="http://schemas.openxmlformats.org/presentationml/2006/main">
+  <p:cSld>
+    <p:spTree>
+      <p:nvGrpSpPr>
+        <p:cNvPr id="1" name=""/>
+        <p:cNvGrpSpPr/>
+        <p:nvPr/>
+      </p:nvGrpSpPr>
+      <p:grpSpPr>
+        <a:xfrm>
+          <a:off x="0" y="0"/>
+          <a:ext cx="0" cy="0"/>
+          <a:chOff x="0" y="0"/>
+          <a:chExt cx="0" cy="0"/>
+        </a:xfrm>
+      </p:grpSpPr>
+      <p:sp>
+        <p:nvSpPr>
+          <p:cNvPr id="12290" name="内容占位符 1"/>
+          <p:cNvSpPr>
+            <a:spLocks noGrp="1"/>
+          </p:cNvSpPr>
+          <p:nvPr>
+            <p:ph idx="1"/>
+          </p:nvPr>
+        </p:nvSpPr>
+        <p:spPr>
+          <a:xfrm>
+            <a:off x="428625" y="1143000"/>
+            <a:ext cx="8429625" cy="4525963"/>
+          </a:xfrm>
+        </p:spPr>
+        <p:txBody>
+          <a:bodyPr/>
+          <a:lstStyle/>
+          <a:p>
+            <a:pPr eaLnBrk="1" hangingPunct="1"/>
+            <a:r>
+              <a:rPr lang="en-US" altLang="zh-CN" smtClean="0"/>
+              <a:t>POST</a:t>
+            </a:r>
+            <a:r>
+              <a:rPr lang="zh-CN" altLang="en-US" smtClean="0"/>
+              <a:t>请求</a:t>
+            </a:r>
+          </a:p>
+        </p:txBody>
+      </p:sp>
+      <p:sp>
+        <p:nvSpPr>
+          <p:cNvPr id="3" name="标题 2"/>
+          <p:cNvSpPr>
+            <a:spLocks noGrp="1"/>
+          </p:cNvSpPr>
+          <p:nvPr>
+            <p:ph type="title"/>
+          </p:nvPr>
+        </p:nvSpPr>
+        <p:spPr>
+          <a:xfrm>
+            <a:off x="34925" y="188913"/>
+            <a:ext cx="8229600" cy="571500"/>
+          </a:xfrm>
+        </p:spPr>
+        <p:txBody>
+          <a:bodyPr>
+            <a:normAutofit fontScale="90000"/>
+          </a:bodyPr>
+          <a:lstStyle/>
+          <a:p>
+            <a:pPr eaLnBrk="1" hangingPunct="1">
+              <a:defRPr/>
+            </a:pPr>
+            <a:r>
+              <a:rPr lang="zh-CN" altLang="en-US" dirty="0" smtClean="0"/>
+              <a:t>消息体</a:t>
+            </a:r>
+            <a:endParaRPr lang="zh-CN" altLang="en-US" dirty="0"/>
+          </a:p>
+        </p:txBody>
+      </p:sp>
+      <p:pic>
+        <p:nvPicPr>
+          <p:cNvPr id="12292" name="Picture 2"/>
+          <p:cNvPicPr>
+            <a:picLocks noChangeAspect="1" noChangeArrowheads="1"/>
+          </p:cNvPicPr>
+          <p:nvPr/>
+        </p:nvPicPr>
+        <p:blipFill>
+          <a:blip r:embed="rId2">
+            <a:extLst>
+              <a:ext uri="{28A0092B-C50C-407E-A947-70E740481C1C}">
+                <a14:useLocalDpi xmlns:a14="http://schemas.microsoft.com/office/drawing/2010/main" val="0"/>
+              </a:ext>
+            </a:extLst>
+          </a:blip>
+          <a:srcRect/>
+          <a:stretch>
+            <a:fillRect/>
+          </a:stretch>
+        </p:blipFill>
+        <p:spPr bwMode="auto">
+          <a:xfrm>
+            <a:off x="457200" y="1905000"/>
+            <a:ext cx="6324600" cy="2895600"/>
+          </a:xfrm>
+          <a:prstGeom prst="rect">
+            <a:avLst/>
+          </a:prstGeom>
+          <a:noFill/>
+          <a:ln>
+            <a:noFill/>
+          </a:ln>
+          <a:extLst>
+            <a:ext uri="{909E8E84-426E-40DD-AFC4-6F175D3DCCD1}">
+              <a14:hiddenFill xmlns:a14="http://schemas.microsoft.com/office/drawing/2010/main">
+                <a:solidFill>
+                  <a:srgbClr val="FFFFFF"/>
+                </a:solidFill>
+              </a14:hiddenFill>
+            </a:ext>
+            <a:ext uri="{91240B29-F687-4F45-9708-019B960494DF}">
+              <a14:hiddenLine xmlns:a14="http://schemas.microsoft.com/office/drawing/2010/main" w="9525" algn="ctr">
+                <a:solidFill>
+                  <a:srgbClr val="000000"/>
+                </a:solidFill>
+                <a:miter lim="800000"/>
+                <a:headEnd/>
+                <a:tailEnd/>
+              </a14:hiddenLine>
+            </a:ext>
+          </a:extLst>
+        </p:spPr>
+      </p:pic>
+    </p:spTree>
+    <p:extLst>
+      <p:ext uri="{BB962C8B-B14F-4D97-AF65-F5344CB8AC3E}">
+        <p14:creationId xmlns:p14="http://schemas.microsoft.com/office/powerpoint/2010/main" val="1459873130"/>
+      </p:ext>
+    </p:extLst>
+  </p:cSld>
+  <p:clrMapOvr>
+    <a:masterClrMapping/>
+  </p:clrMapOvr>
+  <p:timing>
+    <p:tnLst>
+      <p:par>
+        <p:cTn id="1" dur="indefinite" restart="never" nodeType="tmRoot"/>
+      </p:par>
+    </p:tnLst>
+  </p:timing>
+</p:sld>
+</file>
+
+<file path=ppt/slides/slide8.xml><?xml version="1.0" encoding="utf-8"?>
+<p:sld xmlns:a="http://schemas.openxmlformats.org/drawingml/2006/main" xmlns:r="http://schemas.openxmlformats.org/officeDocument/2006/relationships" xmlns:p="http://schemas.openxmlformats.org/presentationml/2006/main">
+  <p:cSld>
+    <p:spTree>
+      <p:nvGrpSpPr>
+        <p:cNvPr id="1" name=""/>
+        <p:cNvGrpSpPr/>
+        <p:nvPr/>
+      </p:nvGrpSpPr>
+      <p:grpSpPr>
+        <a:xfrm>
+          <a:off x="0" y="0"/>
+          <a:ext cx="0" cy="0"/>
+          <a:chOff x="0" y="0"/>
+          <a:chExt cx="0" cy="0"/>
+        </a:xfrm>
+      </p:grpSpPr>
+      <p:sp>
+        <p:nvSpPr>
+          <p:cNvPr id="13314" name="内容占位符 1"/>
+          <p:cNvSpPr>
+            <a:spLocks noGrp="1"/>
+          </p:cNvSpPr>
+          <p:nvPr>
+            <p:ph idx="1"/>
+          </p:nvPr>
+        </p:nvSpPr>
+        <p:spPr>
+          <a:xfrm>
+            <a:off x="428625" y="1143000"/>
+            <a:ext cx="8429625" cy="4525963"/>
+          </a:xfrm>
+        </p:spPr>
+        <p:txBody>
+          <a:bodyPr/>
+          <a:lstStyle/>
+          <a:p>
+            <a:pPr eaLnBrk="1" hangingPunct="1"/>
+            <a:r>
+              <a:rPr lang="en-US" altLang="zh-CN" sz="2800" smtClean="0"/>
+              <a:t>HEAD</a:t>
+            </a:r>
+          </a:p>
+          <a:p>
+            <a:pPr eaLnBrk="1" hangingPunct="1"/>
+            <a:r>
+              <a:rPr lang="en-US" altLang="zh-CN" sz="2800" smtClean="0"/>
+              <a:t>GET</a:t>
+            </a:r>
+          </a:p>
+          <a:p>
+            <a:pPr eaLnBrk="1" hangingPunct="1"/>
+            <a:r>
+              <a:rPr lang="en-US" altLang="zh-CN" sz="2800" smtClean="0"/>
+              <a:t>POST</a:t>
+            </a:r>
+          </a:p>
+          <a:p>
+            <a:pPr eaLnBrk="1" hangingPunct="1"/>
+            <a:r>
+              <a:rPr lang="en-US" altLang="zh-CN" sz="2800" smtClean="0"/>
+              <a:t>PUT</a:t>
+            </a:r>
+          </a:p>
+          <a:p>
+            <a:pPr eaLnBrk="1" hangingPunct="1"/>
+            <a:r>
+              <a:rPr lang="en-US" altLang="zh-CN" sz="2800" smtClean="0"/>
+              <a:t>PATCH</a:t>
+            </a:r>
+          </a:p>
+          <a:p>
+            <a:pPr eaLnBrk="1" hangingPunct="1"/>
+            <a:r>
+              <a:rPr lang="en-US" altLang="zh-CN" sz="2800" smtClean="0"/>
+              <a:t>DELETE</a:t>
+            </a:r>
+          </a:p>
+          <a:p>
+            <a:pPr eaLnBrk="1" hangingPunct="1"/>
+            <a:r>
+              <a:rPr lang="en-US" altLang="zh-CN" sz="2800" smtClean="0"/>
+              <a:t>OPTIONS</a:t>
+            </a:r>
+          </a:p>
+          <a:p>
+            <a:pPr lvl="1" eaLnBrk="1" hangingPunct="1">
+              <a:buFont typeface="Arial" charset="0"/>
+              <a:buNone/>
+            </a:pPr>
+            <a:r>
+              <a:rPr lang="en-US" altLang="zh-CN" sz="1800" smtClean="0"/>
+              <a:t>  200 OK </a:t>
+            </a:r>
+          </a:p>
+          <a:p>
+            <a:pPr lvl="1" eaLnBrk="1" hangingPunct="1">
+              <a:buFont typeface="Arial" charset="0"/>
+              <a:buNone/>
+            </a:pPr>
+            <a:r>
+              <a:rPr lang="en-US" altLang="zh-CN" sz="1800" smtClean="0"/>
+              <a:t>  Allow: HEAD,GET,PUT,DELETE,OPTIONS</a:t>
+            </a:r>
+            <a:endParaRPr lang="zh-CN" altLang="en-US" sz="1800" smtClean="0"/>
+          </a:p>
+        </p:txBody>
+      </p:sp>
+      <p:sp>
+        <p:nvSpPr>
+          <p:cNvPr id="3" name="标题 2"/>
+          <p:cNvSpPr>
+            <a:spLocks noGrp="1"/>
+          </p:cNvSpPr>
+          <p:nvPr>
+            <p:ph type="title"/>
+          </p:nvPr>
+        </p:nvSpPr>
+        <p:spPr>
+          <a:xfrm>
+            <a:off x="34925" y="188913"/>
+            <a:ext cx="8229600" cy="571500"/>
+          </a:xfrm>
+        </p:spPr>
+        <p:txBody>
+          <a:bodyPr>
+            <a:normAutofit fontScale="90000"/>
+          </a:bodyPr>
+          <a:lstStyle/>
+          <a:p>
+            <a:pPr eaLnBrk="1" hangingPunct="1">
+              <a:defRPr/>
+            </a:pPr>
+            <a:r>
+              <a:rPr lang="zh-CN" altLang="en-US" dirty="0" smtClean="0"/>
+              <a:t>请求方法</a:t>
+            </a:r>
+            <a:endParaRPr lang="zh-CN" altLang="en-US" dirty="0"/>
+          </a:p>
+        </p:txBody>
+      </p:sp>
+    </p:spTree>
+    <p:extLst>
+      <p:ext uri="{BB962C8B-B14F-4D97-AF65-F5344CB8AC3E}">
+        <p14:creationId xmlns:p14="http://schemas.microsoft.com/office/powerpoint/2010/main" val="2827572419"/>
+      </p:ext>
+    </p:extLst>
+  </p:cSld>
+  <p:clrMapOvr>
+    <a:masterClrMapping/>
+  </p:clrMapOvr>
+  <p:timing>
+    <p:tnLst>
+      <p:par>
+        <p:cTn id="1" dur="indefinite" restart="never" nodeType="tmRoot"/>
+      </p:par>
+    </p:tnLst>
+  </p:timing>
+</p:sld>
+</file>
+
+<file path=ppt/slides/slide9.xml><?xml version="1.0" encoding="utf-8"?>
+<p:sld xmlns:a="http://schemas.openxmlformats.org/drawingml/2006/main" xmlns:r="http://schemas.openxmlformats.org/officeDocument/2006/relationships" xmlns:p="http://schemas.openxmlformats.org/presentationml/2006/main">
+  <p:cSld>
+    <p:spTree>
+      <p:nvGrpSpPr>
+        <p:cNvPr id="1" name=""/>
+        <p:cNvGrpSpPr/>
+        <p:nvPr/>
+      </p:nvGrpSpPr>
+      <p:grpSpPr>
+        <a:xfrm>
+          <a:off x="0" y="0"/>
+          <a:ext cx="0" cy="0"/>
+          <a:chOff x="0" y="0"/>
+          <a:chExt cx="0" cy="0"/>
+        </a:xfrm>
+      </p:grpSpPr>
+      <p:sp>
+        <p:nvSpPr>
+          <p:cNvPr id="14338" name="内容占位符 1"/>
+          <p:cNvSpPr>
+            <a:spLocks noGrp="1"/>
+          </p:cNvSpPr>
+          <p:nvPr>
+            <p:ph idx="1"/>
+          </p:nvPr>
+        </p:nvSpPr>
+        <p:spPr>
+          <a:xfrm>
+            <a:off x="428625" y="1143000"/>
+            <a:ext cx="8429625" cy="4525963"/>
+          </a:xfrm>
+        </p:spPr>
+        <p:txBody>
+          <a:bodyPr/>
+          <a:lstStyle/>
+          <a:p>
+            <a:pPr eaLnBrk="1" hangingPunct="1"/>
+            <a:r>
+              <a:rPr lang="en-US" altLang="zh-CN" smtClean="0"/>
+              <a:t>Accept</a:t>
+            </a:r>
+          </a:p>
+          <a:p>
+            <a:pPr eaLnBrk="1" hangingPunct="1"/>
+            <a:r>
+              <a:rPr lang="en-US" altLang="zh-CN" smtClean="0"/>
+              <a:t>Accept-Charset</a:t>
+            </a:r>
+          </a:p>
+          <a:p>
+            <a:pPr eaLnBrk="1" hangingPunct="1"/>
+            <a:r>
+              <a:rPr lang="en-US" altLang="zh-CN" smtClean="0"/>
+              <a:t>Accept-Encoding</a:t>
+            </a:r>
+          </a:p>
+          <a:p>
+            <a:pPr eaLnBrk="1" hangingPunct="1"/>
+            <a:r>
+              <a:rPr lang="en-US" altLang="zh-CN" smtClean="0"/>
+              <a:t>Accept-Language</a:t>
+            </a:r>
+          </a:p>
+          <a:p>
+            <a:pPr eaLnBrk="1" hangingPunct="1"/>
+            <a:r>
+              <a:rPr lang="en-US" altLang="zh-CN" smtClean="0"/>
+              <a:t>Authorization</a:t>
+            </a:r>
+          </a:p>
+          <a:p>
+            <a:pPr eaLnBrk="1" hangingPunct="1"/>
+            <a:r>
+              <a:rPr lang="en-US" altLang="zh-CN" smtClean="0"/>
+              <a:t>Range</a:t>
+            </a:r>
+            <a:endParaRPr lang="zh-CN" altLang="en-US" smtClean="0"/>
+          </a:p>
+        </p:txBody>
+      </p:sp>
+      <p:sp>
+        <p:nvSpPr>
+          <p:cNvPr id="3" name="标题 2"/>
+          <p:cNvSpPr>
+            <a:spLocks noGrp="1"/>
+          </p:cNvSpPr>
+          <p:nvPr>
+            <p:ph type="title"/>
+          </p:nvPr>
+        </p:nvSpPr>
+        <p:spPr>
+          <a:xfrm>
+            <a:off x="34925" y="188913"/>
+            <a:ext cx="8229600" cy="571500"/>
+          </a:xfrm>
+        </p:spPr>
+        <p:txBody>
+          <a:bodyPr>
+            <a:normAutofit fontScale="90000"/>
+          </a:bodyPr>
+          <a:lstStyle/>
+          <a:p>
+            <a:pPr eaLnBrk="1" hangingPunct="1">
+              <a:defRPr/>
+            </a:pPr>
+            <a:r>
+              <a:rPr lang="zh-CN" altLang="en-US" dirty="0" smtClean="0"/>
+              <a:t>请求</a:t>
+            </a:r>
+            <a:r>
+              <a:rPr lang="en-US" altLang="zh-CN" dirty="0" smtClean="0"/>
+              <a:t>Header</a:t>
+            </a:r>
+            <a:endParaRPr lang="zh-CN" altLang="en-US" dirty="0"/>
+          </a:p>
+        </p:txBody>
+      </p:sp>
+    </p:spTree>
+    <p:extLst>
+      <p:ext uri="{BB962C8B-B14F-4D97-AF65-F5344CB8AC3E}">
+        <p14:creationId xmlns:p14="http://schemas.microsoft.com/office/powerpoint/2010/main" val="2889749440"/>
       </p:ext>
     </p:extLst>
   </p:cSld>
